--- a/deloitte_productivity_project/presentation/New Microsoft PowerPoint Presentation.pptx
+++ b/deloitte_productivity_project/presentation/New Microsoft PowerPoint Presentation.pptx
@@ -5,7 +5,7 @@
     <p:sldMasterId id="2147483714" r:id="rId1"/>
   </p:sldMasterIdLst>
   <p:notesMasterIdLst>
-    <p:notesMasterId r:id="rId18"/>
+    <p:notesMasterId r:id="rId20"/>
   </p:notesMasterIdLst>
   <p:sldIdLst>
     <p:sldId id="256" r:id="rId2"/>
@@ -15,15 +15,17 @@
     <p:sldId id="274" r:id="rId6"/>
     <p:sldId id="262" r:id="rId7"/>
     <p:sldId id="280" r:id="rId8"/>
-    <p:sldId id="260" r:id="rId9"/>
-    <p:sldId id="279" r:id="rId10"/>
-    <p:sldId id="285" r:id="rId11"/>
-    <p:sldId id="263" r:id="rId12"/>
-    <p:sldId id="270" r:id="rId13"/>
-    <p:sldId id="264" r:id="rId14"/>
-    <p:sldId id="269" r:id="rId15"/>
-    <p:sldId id="283" r:id="rId16"/>
-    <p:sldId id="275" r:id="rId17"/>
+    <p:sldId id="287" r:id="rId9"/>
+    <p:sldId id="288" r:id="rId10"/>
+    <p:sldId id="289" r:id="rId11"/>
+    <p:sldId id="285" r:id="rId12"/>
+    <p:sldId id="263" r:id="rId13"/>
+    <p:sldId id="270" r:id="rId14"/>
+    <p:sldId id="264" r:id="rId15"/>
+    <p:sldId id="269" r:id="rId16"/>
+    <p:sldId id="283" r:id="rId17"/>
+    <p:sldId id="290" r:id="rId18"/>
+    <p:sldId id="275" r:id="rId19"/>
   </p:sldIdLst>
   <p:sldSz cx="12192000" cy="6858000"/>
   <p:notesSz cx="6858000" cy="9144000"/>
@@ -608,12 +610,18 @@
           <a:bodyPr/>
           <a:lstStyle/>
           <a:p>
+            <a:r>
+              <a:rPr lang="en-GB" dirty="0"/>
+              <a:t>On average, with a higher inflation rate are significantly lower productivity.</a:t>
+            </a:r>
+          </a:p>
+          <a:p>
             <a:endParaRPr lang="en-GB" dirty="0"/>
           </a:p>
           <a:p>
             <a:r>
               <a:rPr lang="en-GB" dirty="0"/>
-              <a:t>The productivity</a:t>
+              <a:t>With a higher worked hours, including over time, resulted a significantly lower productivity. Deem as an inefficient way to produce output.</a:t>
             </a:r>
           </a:p>
           <a:p>
@@ -622,52 +630,17 @@
           <a:p>
             <a:r>
               <a:rPr lang="en-GB" dirty="0"/>
-              <a:t>Since 2008, when the great recession occurred, the productivity growth in the UK has been slowed down and led to a lower productivity when compared with G7 average.</a:t>
-            </a:r>
+              <a:t>With a higher minimum or average salary, the productivity is significantly higher, to boost the workers’ morale.</a:t>
+            </a:r>
+          </a:p>
+          <a:p>
+            <a:endParaRPr lang="en-GB" dirty="0"/>
           </a:p>
           <a:p>
             <a:r>
               <a:rPr lang="en-GB" dirty="0"/>
-              <a:t>In the industry productivity analysis.  We have found that Scottish’s engineering industry performed the best among the others, with a strong growth rate.</a:t>
-            </a:r>
-          </a:p>
-          <a:p>
-            <a:r>
-              <a:rPr lang="en-GB" dirty="0"/>
-              <a:t>Conversely, the Scottish Information and Communication Industry showed evidence of declining in growth rate.</a:t>
-            </a:r>
-          </a:p>
-          <a:p>
-            <a:endParaRPr lang="en-GB" dirty="0"/>
-          </a:p>
-          <a:p>
-            <a:r>
-              <a:rPr lang="en-GB" dirty="0"/>
-              <a:t>A series of hypothesis tests are conducted with different economics factors. Factories that can improve productivity in the UK are:</a:t>
-            </a:r>
-          </a:p>
-          <a:p>
-            <a:r>
-              <a:rPr lang="en-GB" dirty="0"/>
-              <a:t>Higher min/</a:t>
-            </a:r>
-            <a:r>
-              <a:rPr lang="en-GB" dirty="0" err="1"/>
-              <a:t>avg</a:t>
-            </a:r>
-            <a:r>
-              <a:rPr lang="en-GB" dirty="0"/>
-              <a:t> wage, higher secondary education will have a high stat significant influence on the productivity.</a:t>
-            </a:r>
-          </a:p>
-          <a:p>
-            <a:r>
-              <a:rPr lang="en-GB" dirty="0"/>
-              <a:t>Higher worked hours, unemployment rate and inflation rate will have a lower stat-significant influence on the productivity.</a:t>
-            </a:r>
-          </a:p>
-          <a:p>
-            <a:endParaRPr lang="en-GB" dirty="0"/>
+              <a:t>For the 3 category of Education levels, only an increase in proportion of upper secondary education results in a significantly higher productivity, the remained 2 levels are remained insignificant on productivity.</a:t>
+            </a:r>
           </a:p>
         </p:txBody>
       </p:sp>
@@ -697,7 +670,7 @@
     </p:spTree>
     <p:extLst>
       <p:ext uri="{BB962C8B-B14F-4D97-AF65-F5344CB8AC3E}">
-        <p14:creationId xmlns:p14="http://schemas.microsoft.com/office/powerpoint/2010/main" val="1612364656"/>
+        <p14:creationId xmlns:p14="http://schemas.microsoft.com/office/powerpoint/2010/main" val="2263617911"/>
       </p:ext>
     </p:extLst>
   </p:cSld>
@@ -751,7 +724,51 @@
           <a:bodyPr/>
           <a:lstStyle/>
           <a:p>
+            <a:r>
+              <a:rPr lang="en-GB" dirty="0"/>
+              <a:t>After the great recession in 2008,  the productivity growth in the UK has been slowed down and led to a lower productivity when compared with G7 countries.</a:t>
+            </a:r>
+          </a:p>
+          <a:p>
+            <a:r>
+              <a:rPr lang="en-GB" dirty="0"/>
+              <a:t>In the industry productivity analysis.  We have found that Scottish’s engineering industry performed the best among the others, with a strong growth rate.</a:t>
+            </a:r>
+          </a:p>
+          <a:p>
+            <a:r>
+              <a:rPr lang="en-GB" dirty="0"/>
+              <a:t>Conversely, the Scottish Information and Communication Industry showed evidence of declining in growth rate.</a:t>
+            </a:r>
+          </a:p>
+          <a:p>
             <a:endParaRPr lang="en-GB" dirty="0"/>
+          </a:p>
+          <a:p>
+            <a:r>
+              <a:rPr lang="en-GB" dirty="0"/>
+              <a:t>A series of hypothesis tests are conducted with different economics factors.</a:t>
+            </a:r>
+          </a:p>
+          <a:p>
+            <a:r>
+              <a:rPr lang="en-GB" dirty="0"/>
+              <a:t>On average, higher min/</a:t>
+            </a:r>
+            <a:r>
+              <a:rPr lang="en-GB" dirty="0" err="1"/>
+              <a:t>avg</a:t>
+            </a:r>
+            <a:r>
+              <a:rPr lang="en-GB" dirty="0"/>
+              <a:t> wage and higher secondary education will result in significantly higher productivity.</a:t>
+            </a:r>
+          </a:p>
+          <a:p>
+            <a:r>
+              <a:rPr lang="en-GB" dirty="0"/>
+              <a:t>With higher worked hours and inflation rate will result in a significantly lower productivity.</a:t>
+            </a:r>
           </a:p>
         </p:txBody>
       </p:sp>
@@ -772,7 +789,258 @@
           <a:p>
             <a:fld id="{6FA1FA6D-F318-4210-A104-FE957E7091B7}" type="slidenum">
               <a:rPr lang="en-GB" smtClean="0"/>
-              <a:t>16</a:t>
+              <a:t>14</a:t>
+            </a:fld>
+            <a:endParaRPr lang="en-GB"/>
+          </a:p>
+        </p:txBody>
+      </p:sp>
+    </p:spTree>
+    <p:extLst>
+      <p:ext uri="{BB962C8B-B14F-4D97-AF65-F5344CB8AC3E}">
+        <p14:creationId xmlns:p14="http://schemas.microsoft.com/office/powerpoint/2010/main" val="1612364656"/>
+      </p:ext>
+    </p:extLst>
+  </p:cSld>
+  <p:clrMapOvr>
+    <a:masterClrMapping/>
+  </p:clrMapOvr>
+</p:notes>
+</file>
+
+<file path=ppt/notesSlides/notesSlide12.xml><?xml version="1.0" encoding="utf-8"?>
+<p:notes xmlns:a="http://schemas.openxmlformats.org/drawingml/2006/main" xmlns:r="http://schemas.openxmlformats.org/officeDocument/2006/relationships" xmlns:p="http://schemas.openxmlformats.org/presentationml/2006/main">
+  <p:cSld>
+    <p:spTree>
+      <p:nvGrpSpPr>
+        <p:cNvPr id="1" name=""/>
+        <p:cNvGrpSpPr/>
+        <p:nvPr/>
+      </p:nvGrpSpPr>
+      <p:grpSpPr>
+        <a:xfrm>
+          <a:off x="0" y="0"/>
+          <a:ext cx="0" cy="0"/>
+          <a:chOff x="0" y="0"/>
+          <a:chExt cx="0" cy="0"/>
+        </a:xfrm>
+      </p:grpSpPr>
+      <p:sp>
+        <p:nvSpPr>
+          <p:cNvPr id="2" name="Slide Image Placeholder 1"/>
+          <p:cNvSpPr>
+            <a:spLocks noGrp="1" noRot="1" noChangeAspect="1"/>
+          </p:cNvSpPr>
+          <p:nvPr>
+            <p:ph type="sldImg"/>
+          </p:nvPr>
+        </p:nvSpPr>
+        <p:spPr/>
+      </p:sp>
+      <p:sp>
+        <p:nvSpPr>
+          <p:cNvPr id="3" name="Notes Placeholder 2"/>
+          <p:cNvSpPr>
+            <a:spLocks noGrp="1"/>
+          </p:cNvSpPr>
+          <p:nvPr>
+            <p:ph type="body" idx="1"/>
+          </p:nvPr>
+        </p:nvSpPr>
+        <p:spPr/>
+        <p:txBody>
+          <a:bodyPr/>
+          <a:lstStyle/>
+          <a:p>
+            <a:endParaRPr lang="en-GB" dirty="0"/>
+          </a:p>
+          <a:p>
+            <a:r>
+              <a:rPr lang="en-GB" dirty="0"/>
+              <a:t>The results showed that times with a </a:t>
+            </a:r>
+          </a:p>
+          <a:p>
+            <a:endParaRPr lang="en-GB" dirty="0"/>
+          </a:p>
+          <a:p>
+            <a:r>
+              <a:rPr lang="en-GB" dirty="0"/>
+              <a:t>On average, the productivity of countries with higher unemployment and inflation rate are significantly lower than countries with lower unemployment rate.</a:t>
+            </a:r>
+          </a:p>
+          <a:p>
+            <a:endParaRPr lang="en-GB" dirty="0"/>
+          </a:p>
+          <a:p>
+            <a:r>
+              <a:rPr lang="en-GB" dirty="0"/>
+              <a:t>With a higher worked hours, including over time, resulted a significantly lower productivity. </a:t>
+            </a:r>
+          </a:p>
+          <a:p>
+            <a:endParaRPr lang="en-GB" dirty="0"/>
+          </a:p>
+          <a:p>
+            <a:r>
+              <a:rPr lang="en-GB" dirty="0"/>
+              <a:t>To boost the works’ morale</a:t>
+            </a:r>
+          </a:p>
+          <a:p>
+            <a:endParaRPr lang="en-GB" dirty="0"/>
+          </a:p>
+          <a:p>
+            <a:endParaRPr lang="en-GB" dirty="0"/>
+          </a:p>
+          <a:p>
+            <a:r>
+              <a:rPr lang="en-GB" dirty="0"/>
+              <a:t>Decouple Analysis and Confounding factors</a:t>
+            </a:r>
+          </a:p>
+          <a:p>
+            <a:r>
+              <a:rPr lang="en-GB" dirty="0"/>
+              <a:t>The concluded drawn from the decoupled analysis for this project are for guidance only. </a:t>
+            </a:r>
+          </a:p>
+          <a:p>
+            <a:r>
+              <a:rPr lang="en-GB" dirty="0"/>
+              <a:t>Interaction &amp; cofounding factors are not taking into account but may affect to the labour’s productivity.</a:t>
+            </a:r>
+          </a:p>
+          <a:p>
+            <a:endParaRPr lang="en-GB" dirty="0"/>
+          </a:p>
+          <a:p>
+            <a:endParaRPr lang="en-GB" dirty="0"/>
+          </a:p>
+          <a:p>
+            <a:r>
+              <a:rPr lang="en-GB" dirty="0"/>
+              <a:t>Higher min/</a:t>
+            </a:r>
+            <a:r>
+              <a:rPr lang="en-GB" dirty="0" err="1"/>
+              <a:t>avg</a:t>
+            </a:r>
+            <a:r>
+              <a:rPr lang="en-GB" dirty="0"/>
+              <a:t> wage, higher secondary education will have a high stat significant influence on the productivity.</a:t>
+            </a:r>
+          </a:p>
+          <a:p>
+            <a:r>
+              <a:rPr lang="en-GB" dirty="0"/>
+              <a:t>Higher worked hours, unemployment rate and inflation rate will have a lower stat-significant influence on the productivity.</a:t>
+            </a:r>
+          </a:p>
+        </p:txBody>
+      </p:sp>
+      <p:sp>
+        <p:nvSpPr>
+          <p:cNvPr id="4" name="Slide Number Placeholder 3"/>
+          <p:cNvSpPr>
+            <a:spLocks noGrp="1"/>
+          </p:cNvSpPr>
+          <p:nvPr>
+            <p:ph type="sldNum" sz="quarter" idx="5"/>
+          </p:nvPr>
+        </p:nvSpPr>
+        <p:spPr/>
+        <p:txBody>
+          <a:bodyPr/>
+          <a:lstStyle/>
+          <a:p>
+            <a:fld id="{6FA1FA6D-F318-4210-A104-FE957E7091B7}" type="slidenum">
+              <a:rPr lang="en-GB" smtClean="0"/>
+              <a:t>17</a:t>
+            </a:fld>
+            <a:endParaRPr lang="en-GB"/>
+          </a:p>
+        </p:txBody>
+      </p:sp>
+    </p:spTree>
+    <p:extLst>
+      <p:ext uri="{BB962C8B-B14F-4D97-AF65-F5344CB8AC3E}">
+        <p14:creationId xmlns:p14="http://schemas.microsoft.com/office/powerpoint/2010/main" val="2860645058"/>
+      </p:ext>
+    </p:extLst>
+  </p:cSld>
+  <p:clrMapOvr>
+    <a:masterClrMapping/>
+  </p:clrMapOvr>
+</p:notes>
+</file>
+
+<file path=ppt/notesSlides/notesSlide13.xml><?xml version="1.0" encoding="utf-8"?>
+<p:notes xmlns:a="http://schemas.openxmlformats.org/drawingml/2006/main" xmlns:r="http://schemas.openxmlformats.org/officeDocument/2006/relationships" xmlns:p="http://schemas.openxmlformats.org/presentationml/2006/main">
+  <p:cSld>
+    <p:spTree>
+      <p:nvGrpSpPr>
+        <p:cNvPr id="1" name=""/>
+        <p:cNvGrpSpPr/>
+        <p:nvPr/>
+      </p:nvGrpSpPr>
+      <p:grpSpPr>
+        <a:xfrm>
+          <a:off x="0" y="0"/>
+          <a:ext cx="0" cy="0"/>
+          <a:chOff x="0" y="0"/>
+          <a:chExt cx="0" cy="0"/>
+        </a:xfrm>
+      </p:grpSpPr>
+      <p:sp>
+        <p:nvSpPr>
+          <p:cNvPr id="2" name="Slide Image Placeholder 1"/>
+          <p:cNvSpPr>
+            <a:spLocks noGrp="1" noRot="1" noChangeAspect="1"/>
+          </p:cNvSpPr>
+          <p:nvPr>
+            <p:ph type="sldImg"/>
+          </p:nvPr>
+        </p:nvSpPr>
+        <p:spPr/>
+      </p:sp>
+      <p:sp>
+        <p:nvSpPr>
+          <p:cNvPr id="3" name="Notes Placeholder 2"/>
+          <p:cNvSpPr>
+            <a:spLocks noGrp="1"/>
+          </p:cNvSpPr>
+          <p:nvPr>
+            <p:ph type="body" idx="1"/>
+          </p:nvPr>
+        </p:nvSpPr>
+        <p:spPr/>
+        <p:txBody>
+          <a:bodyPr/>
+          <a:lstStyle/>
+          <a:p>
+            <a:endParaRPr lang="en-GB" dirty="0"/>
+          </a:p>
+        </p:txBody>
+      </p:sp>
+      <p:sp>
+        <p:nvSpPr>
+          <p:cNvPr id="4" name="Slide Number Placeholder 3"/>
+          <p:cNvSpPr>
+            <a:spLocks noGrp="1"/>
+          </p:cNvSpPr>
+          <p:nvPr>
+            <p:ph type="sldNum" sz="quarter" idx="5"/>
+          </p:nvPr>
+        </p:nvSpPr>
+        <p:spPr/>
+        <p:txBody>
+          <a:bodyPr/>
+          <a:lstStyle/>
+          <a:p>
+            <a:fld id="{6FA1FA6D-F318-4210-A104-FE957E7091B7}" type="slidenum">
+              <a:rPr lang="en-GB" smtClean="0"/>
+              <a:t>18</a:t>
             </a:fld>
             <a:endParaRPr lang="en-GB"/>
           </a:p>
@@ -948,7 +1216,7 @@
           <a:p>
             <a:r>
               <a:rPr lang="en-GB" dirty="0"/>
-              <a:t>Since 2000 the UK’s productivity is always higher than the G7 countries until the great recession in 2008. Since then, the UK’s productivity has been underperformed to a point where our productivity is lower than the G7 average.</a:t>
+              <a:t>Since 2000 the UK’s productivity is always higher than the G7 countries until the great recession in 2008. Since then, the UK’s productivity has been underperformed to a point where UK’s productivity is lower than the G7 average.</a:t>
             </a:r>
           </a:p>
         </p:txBody>
@@ -1035,7 +1303,7 @@
           <a:p>
             <a:r>
               <a:rPr lang="en-GB" dirty="0"/>
-              <a:t>The underperforming characteristics can be seen in the growth rate graph. After 2008, we can see the G7’s growth rate has rose rapidly , whereas the UK’s grow rate remained leads to an decrease in productivity.</a:t>
+              <a:t>The underperforming characteristics can be seen in the growth rate graph. After the sharp drop in 2008, we can see the G7’s growth rate has bounced, whereas UK remained leads to an underperformed productivity.</a:t>
             </a:r>
           </a:p>
           <a:p>
@@ -1229,7 +1497,7 @@
             </a:pPr>
             <a:r>
               <a:rPr lang="en-GB" dirty="0"/>
-              <a:t>In this analysis we will be comparing how different industries perform. The industries is grouped by UK’s standard industrial classification.</a:t>
+              <a:t>In this analysis we will be comparing how different industries perform. The industries are grouped by standard industrial classification.</a:t>
             </a:r>
           </a:p>
           <a:p>
@@ -1255,7 +1523,15 @@
           <a:p>
             <a:r>
               <a:rPr lang="en-GB" dirty="0"/>
-              <a:t>The indicator that I have used is the difference in growth rate to measure the performance per industry. It indicates how fast Scottish industries are growing when compared to the UK in terms of productivities. If the data point is above 0 it means Scotland is performing better than the UK and vice versa.</a:t>
+              <a:t>The indicator that I have used is the difference in growth rate to measure the performance per industry. It indicates how fast Scottish industries are growing when compared to the UK in terms of </a:t>
+            </a:r>
+            <a:r>
+              <a:rPr lang="en-GB" dirty="0" err="1"/>
+              <a:t>productivty</a:t>
+            </a:r>
+            <a:r>
+              <a:rPr lang="en-GB" dirty="0"/>
+              <a:t>. If the data point is above 0 it means Scotland is performing better than the UK and vice versa.</a:t>
             </a:r>
           </a:p>
           <a:p>
@@ -1264,13 +1540,8 @@
           <a:p>
             <a:r>
               <a:rPr lang="en-GB" dirty="0"/>
-              <a:t>I then constructed a validated linear regression model to see the over trend of the growth for </a:t>
-            </a:r>
-            <a:r>
-              <a:rPr lang="en-GB"/>
-              <a:t>the industries.</a:t>
-            </a:r>
-            <a:endParaRPr lang="en-GB" dirty="0"/>
+              <a:t>I then constructed a validated linear regression model to observe the over trend of growth through the years.</a:t>
+            </a:r>
           </a:p>
         </p:txBody>
       </p:sp>
@@ -1300,7 +1571,7 @@
     </p:spTree>
     <p:extLst>
       <p:ext uri="{BB962C8B-B14F-4D97-AF65-F5344CB8AC3E}">
-        <p14:creationId xmlns:p14="http://schemas.microsoft.com/office/powerpoint/2010/main" val="2776307656"/>
+        <p14:creationId xmlns:p14="http://schemas.microsoft.com/office/powerpoint/2010/main" val="1637840157"/>
       </p:ext>
     </p:extLst>
   </p:cSld>
@@ -1354,42 +1625,69 @@
           <a:bodyPr/>
           <a:lstStyle/>
           <a:p>
+            <a:pPr marL="0" marR="0" lvl="0" indent="0" algn="l" defTabSz="914400" rtl="0" eaLnBrk="1" fontAlgn="auto" latinLnBrk="0" hangingPunct="1">
+              <a:lnSpc>
+                <a:spcPct val="100000"/>
+              </a:lnSpc>
+              <a:spcBef>
+                <a:spcPts val="0"/>
+              </a:spcBef>
+              <a:spcAft>
+                <a:spcPts val="0"/>
+              </a:spcAft>
+              <a:buClrTx/>
+              <a:buSzTx/>
+              <a:buFontTx/>
+              <a:buNone/>
+              <a:tabLst/>
+              <a:defRPr/>
+            </a:pPr>
             <a:r>
               <a:rPr lang="en-GB" dirty="0"/>
-              <a:t>I have summarise the highlight from the graph.</a:t>
-            </a:r>
-          </a:p>
-          <a:p>
+              <a:t>In this analysis we will be comparing how different industries perform. The industries are grouped by standard industrial classification.</a:t>
+            </a:r>
+          </a:p>
+          <a:p>
+            <a:pPr marL="0" marR="0" lvl="0" indent="0" algn="l" defTabSz="914400" rtl="0" eaLnBrk="1" fontAlgn="auto" latinLnBrk="0" hangingPunct="1">
+              <a:lnSpc>
+                <a:spcPct val="100000"/>
+              </a:lnSpc>
+              <a:spcBef>
+                <a:spcPts val="0"/>
+              </a:spcBef>
+              <a:spcAft>
+                <a:spcPts val="0"/>
+              </a:spcAft>
+              <a:buClrTx/>
+              <a:buSzTx/>
+              <a:buFontTx/>
+              <a:buNone/>
+              <a:tabLst/>
+              <a:defRPr/>
+            </a:pPr>
             <a:endParaRPr lang="en-GB" dirty="0"/>
           </a:p>
           <a:p>
             <a:r>
               <a:rPr lang="en-GB" dirty="0"/>
-              <a:t>The best performed Scottish industry is engineering, with the data points laying above the margin with a positive gradient. Meaning the industry is always perform better than the rest of the UK and will be better throughout the years.</a:t>
-            </a:r>
-          </a:p>
-          <a:p>
+              <a:t>The indicator that I have used is the difference in growth rate to measure the performance per industry. It indicates how fast Scottish industries are growing when compared to the UK in terms of </a:t>
+            </a:r>
+            <a:r>
+              <a:rPr lang="en-GB" dirty="0" err="1"/>
+              <a:t>productivty</a:t>
+            </a:r>
             <a:r>
               <a:rPr lang="en-GB" dirty="0"/>
-              <a:t>Primary Product Industry in red, has the highest negative margin, meaning the productivity growth is always slower than the rest of the UK, however, the positive gradient indicates the industry is slowing catching up.</a:t>
-            </a:r>
+              <a:t>. If the data point is above 0 it means Scotland is performing better than the UK and vice versa.</a:t>
+            </a:r>
+          </a:p>
+          <a:p>
+            <a:endParaRPr lang="en-GB" dirty="0"/>
           </a:p>
           <a:p>
             <a:r>
               <a:rPr lang="en-GB" dirty="0"/>
-              <a:t>Out of all industries, only group J, Information and communication group, has a negative margin whilst having a negative gradient, indicating the industry is declining throughout the year.</a:t>
-            </a:r>
-          </a:p>
-          <a:p>
-            <a:endParaRPr lang="en-GB" dirty="0"/>
-          </a:p>
-          <a:p>
-            <a:endParaRPr lang="en-GB" dirty="0"/>
-          </a:p>
-          <a:p>
-            <a:r>
-              <a:rPr lang="en-GB" dirty="0"/>
-              <a:t>A similar analysis was carried out comparing UK and G7 countries. However, stat showed that the analysis was insignificant with an irrelevant relationship between the regression and the data point itself. Therefore I won’t be presenting the result in this presentation.</a:t>
+              <a:t>I then constructed a validated linear regression model to observe the over trend of growth through the years.</a:t>
             </a:r>
           </a:p>
         </p:txBody>
@@ -1420,7 +1718,7 @@
     </p:spTree>
     <p:extLst>
       <p:ext uri="{BB962C8B-B14F-4D97-AF65-F5344CB8AC3E}">
-        <p14:creationId xmlns:p14="http://schemas.microsoft.com/office/powerpoint/2010/main" val="2387203054"/>
+        <p14:creationId xmlns:p14="http://schemas.microsoft.com/office/powerpoint/2010/main" val="2346161373"/>
       </p:ext>
     </p:extLst>
   </p:cSld>
@@ -1476,91 +1774,31 @@
           <a:p>
             <a:r>
               <a:rPr lang="en-GB" dirty="0"/>
-              <a:t>Conduct a series of hypothesis tests with the economic factors to find which one has a stat-significant influence to the labour productivity.</a:t>
+              <a:t>The best performed Scottish industry is engineering, with the data points laying above the margin with a positive gradient. Meaning the industry is always perform better than the rest of the UK and will be better throughout the years.</a:t>
             </a:r>
           </a:p>
           <a:p>
             <a:r>
               <a:rPr lang="en-GB" dirty="0"/>
-              <a:t>We have adapted 2 samples independent test, 5% confidence level.</a:t>
+              <a:t>Primary Product Industry in red, has the highest negative margin, meaning the productivity growth is always slower than the rest of the UK, however, the positive gradient indicates the industry is slowing catching up.</a:t>
+            </a:r>
+          </a:p>
+          <a:p>
+            <a:r>
+              <a:rPr lang="en-GB" dirty="0"/>
+              <a:t>Out of all industries, only group J, Information and communication group, has a negative margin whilst having a negative gradient, indicating the industry is declining throughout the year.</a:t>
             </a:r>
           </a:p>
           <a:p>
             <a:endParaRPr lang="en-GB" dirty="0"/>
           </a:p>
           <a:p>
+            <a:endParaRPr lang="en-GB" dirty="0"/>
+          </a:p>
+          <a:p>
             <a:r>
               <a:rPr lang="en-GB" dirty="0"/>
-              <a:t>We will be using Organisation for Economic Cooperation and Development countries (OECD) countries for the tests and UK as a reference index.</a:t>
-            </a:r>
-          </a:p>
-          <a:p>
-            <a:endParaRPr lang="en-GB" dirty="0"/>
-          </a:p>
-          <a:p>
-            <a:pPr marL="0" marR="0" lvl="0" indent="0" algn="l" defTabSz="914400" rtl="0" eaLnBrk="1" fontAlgn="auto" latinLnBrk="0" hangingPunct="1">
-              <a:lnSpc>
-                <a:spcPct val="100000"/>
-              </a:lnSpc>
-              <a:spcBef>
-                <a:spcPts val="0"/>
-              </a:spcBef>
-              <a:spcAft>
-                <a:spcPts val="0"/>
-              </a:spcAft>
-              <a:buClrTx/>
-              <a:buSzTx/>
-              <a:buFontTx/>
-              <a:buNone/>
-              <a:tabLst/>
-              <a:defRPr/>
-            </a:pPr>
-            <a:r>
-              <a:rPr lang="en-GB" dirty="0"/>
-              <a:t>(i.e. Does a country with a higher salary than the UK, have a significant difference in productivity.)</a:t>
-            </a:r>
-          </a:p>
-          <a:p>
-            <a:pPr marL="0" marR="0" lvl="0" indent="0" algn="l" defTabSz="914400" rtl="0" eaLnBrk="1" fontAlgn="auto" latinLnBrk="0" hangingPunct="1">
-              <a:lnSpc>
-                <a:spcPct val="100000"/>
-              </a:lnSpc>
-              <a:spcBef>
-                <a:spcPts val="0"/>
-              </a:spcBef>
-              <a:spcAft>
-                <a:spcPts val="0"/>
-              </a:spcAft>
-              <a:buClrTx/>
-              <a:buSzTx/>
-              <a:buFontTx/>
-              <a:buNone/>
-              <a:tabLst/>
-              <a:defRPr/>
-            </a:pPr>
-            <a:endParaRPr lang="en-GB" dirty="0"/>
-          </a:p>
-          <a:p>
-            <a:pPr marL="0" marR="0" lvl="0" indent="0" algn="l" defTabSz="914400" rtl="0" eaLnBrk="1" fontAlgn="auto" latinLnBrk="0" hangingPunct="1">
-              <a:lnSpc>
-                <a:spcPct val="100000"/>
-              </a:lnSpc>
-              <a:spcBef>
-                <a:spcPts val="0"/>
-              </a:spcBef>
-              <a:spcAft>
-                <a:spcPts val="0"/>
-              </a:spcAft>
-              <a:buClrTx/>
-              <a:buSzTx/>
-              <a:buFontTx/>
-              <a:buNone/>
-              <a:tabLst/>
-              <a:defRPr/>
-            </a:pPr>
-            <a:r>
-              <a:rPr lang="en-GB" dirty="0"/>
-              <a:t>Economic factors included: salary, total annual hours worked, unemployment and inflation rate, education proportion per population between 25 – 64 years old.</a:t>
+              <a:t>A similar analysis was carried out comparing UK and G7 countries. However, stat showed that the analysis was insignificant with an irrelevant relationship between the regression and the data point itself. Therefore I won’t be presenting the result in this presentation.</a:t>
             </a:r>
           </a:p>
         </p:txBody>
@@ -1582,7 +1820,7 @@
           <a:p>
             <a:fld id="{6FA1FA6D-F318-4210-A104-FE957E7091B7}" type="slidenum">
               <a:rPr lang="en-GB" smtClean="0"/>
-              <a:t>11</a:t>
+              <a:t>10</a:t>
             </a:fld>
             <a:endParaRPr lang="en-GB"/>
           </a:p>
@@ -1591,7 +1829,7 @@
     </p:spTree>
     <p:extLst>
       <p:ext uri="{BB962C8B-B14F-4D97-AF65-F5344CB8AC3E}">
-        <p14:creationId xmlns:p14="http://schemas.microsoft.com/office/powerpoint/2010/main" val="1031039753"/>
+        <p14:creationId xmlns:p14="http://schemas.microsoft.com/office/powerpoint/2010/main" val="1194314254"/>
       </p:ext>
     </p:extLst>
   </p:cSld>
@@ -1645,56 +1883,96 @@
           <a:bodyPr/>
           <a:lstStyle/>
           <a:p>
+            <a:r>
+              <a:rPr lang="en-GB" dirty="0"/>
+              <a:t>The second part of the analysis is aimed to find out which economic factors have influence on productivity, through conducting a series of hypothesis tests.</a:t>
+            </a:r>
+          </a:p>
+          <a:p>
             <a:endParaRPr lang="en-GB" dirty="0"/>
           </a:p>
           <a:p>
+            <a:r>
+              <a:rPr lang="en-GB" dirty="0"/>
+              <a:t>We have adapted 2 samples independent test, 5% confidence level.</a:t>
+            </a:r>
+          </a:p>
+          <a:p>
             <a:endParaRPr lang="en-GB" dirty="0"/>
           </a:p>
           <a:p>
+            <a:r>
+              <a:rPr lang="en-GB" dirty="0"/>
+              <a:t>We will be using Organisation for Economic Cooperation and Development countries (OECD) countries for the tests and UK as a reference index.</a:t>
+            </a:r>
+          </a:p>
+          <a:p>
             <a:endParaRPr lang="en-GB" dirty="0"/>
           </a:p>
           <a:p>
+            <a:pPr marL="0" marR="0" lvl="0" indent="0" algn="l" defTabSz="914400" rtl="0" eaLnBrk="1" fontAlgn="auto" latinLnBrk="0" hangingPunct="1">
+              <a:lnSpc>
+                <a:spcPct val="100000"/>
+              </a:lnSpc>
+              <a:spcBef>
+                <a:spcPts val="0"/>
+              </a:spcBef>
+              <a:spcAft>
+                <a:spcPts val="0"/>
+              </a:spcAft>
+              <a:buClrTx/>
+              <a:buSzTx/>
+              <a:buFontTx/>
+              <a:buNone/>
+              <a:tabLst/>
+              <a:defRPr/>
+            </a:pPr>
             <a:r>
               <a:rPr lang="en-GB" dirty="0"/>
-              <a:t>Decouple Analysis and Confounding factors</a:t>
-            </a:r>
-          </a:p>
-          <a:p>
+              <a:t>(i.e. On average, does a country with a higher salary than the UK, have a significant difference in productivity.)</a:t>
+            </a:r>
+          </a:p>
+          <a:p>
+            <a:pPr marL="0" marR="0" lvl="0" indent="0" algn="l" defTabSz="914400" rtl="0" eaLnBrk="1" fontAlgn="auto" latinLnBrk="0" hangingPunct="1">
+              <a:lnSpc>
+                <a:spcPct val="100000"/>
+              </a:lnSpc>
+              <a:spcBef>
+                <a:spcPts val="0"/>
+              </a:spcBef>
+              <a:spcAft>
+                <a:spcPts val="0"/>
+              </a:spcAft>
+              <a:buClrTx/>
+              <a:buSzTx/>
+              <a:buFontTx/>
+              <a:buNone/>
+              <a:tabLst/>
+              <a:defRPr/>
+            </a:pPr>
+            <a:endParaRPr lang="en-GB" dirty="0"/>
+          </a:p>
+          <a:p>
+            <a:pPr marL="0" marR="0" lvl="0" indent="0" algn="l" defTabSz="914400" rtl="0" eaLnBrk="1" fontAlgn="auto" latinLnBrk="0" hangingPunct="1">
+              <a:lnSpc>
+                <a:spcPct val="100000"/>
+              </a:lnSpc>
+              <a:spcBef>
+                <a:spcPts val="0"/>
+              </a:spcBef>
+              <a:spcAft>
+                <a:spcPts val="0"/>
+              </a:spcAft>
+              <a:buClrTx/>
+              <a:buSzTx/>
+              <a:buFontTx/>
+              <a:buNone/>
+              <a:tabLst/>
+              <a:defRPr/>
+            </a:pPr>
             <a:r>
               <a:rPr lang="en-GB" dirty="0"/>
-              <a:t>The concluded drawn from the decoupled analysis for this project are for guidance only. </a:t>
-            </a:r>
-          </a:p>
-          <a:p>
-            <a:r>
-              <a:rPr lang="en-GB" dirty="0"/>
-              <a:t>Interaction &amp; cofounding factors are not taking into account but may affect to the labour’s productivity.</a:t>
-            </a:r>
-          </a:p>
-          <a:p>
-            <a:endParaRPr lang="en-GB" dirty="0"/>
-          </a:p>
-          <a:p>
-            <a:endParaRPr lang="en-GB" dirty="0"/>
-          </a:p>
-          <a:p>
-            <a:r>
-              <a:rPr lang="en-GB" dirty="0"/>
-              <a:t>Higher min/</a:t>
-            </a:r>
-            <a:r>
-              <a:rPr lang="en-GB" dirty="0" err="1"/>
-              <a:t>avg</a:t>
-            </a:r>
-            <a:r>
-              <a:rPr lang="en-GB" dirty="0"/>
-              <a:t> wage, higher secondary education will have a high stat significant influence on the productivity.</a:t>
-            </a:r>
-          </a:p>
-          <a:p>
-            <a:r>
-              <a:rPr lang="en-GB" dirty="0"/>
-              <a:t>Higher worked hours, unemployment rate and inflation rate will have a lower stat-significant influence on the productivity.</a:t>
+              <a:t>Economic factors included: inflation rate, salary, total annual hours worked, and education proportion per population separated into 3 levels</a:t>
             </a:r>
           </a:p>
         </p:txBody>
@@ -1725,7 +2003,7 @@
     </p:spTree>
     <p:extLst>
       <p:ext uri="{BB962C8B-B14F-4D97-AF65-F5344CB8AC3E}">
-        <p14:creationId xmlns:p14="http://schemas.microsoft.com/office/powerpoint/2010/main" val="2263617911"/>
+        <p14:creationId xmlns:p14="http://schemas.microsoft.com/office/powerpoint/2010/main" val="1031039753"/>
       </p:ext>
     </p:extLst>
   </p:cSld>
@@ -8164,7 +8442,7 @@
           <p:cNvPr id="2" name="Title 1">
             <a:extLst>
               <a:ext uri="{FF2B5EF4-FFF2-40B4-BE49-F238E27FC236}">
-                <a16:creationId xmlns:a16="http://schemas.microsoft.com/office/drawing/2014/main" id="{B594D3B2-9BA8-4749-B503-A68BAB730F53}"/>
+                <a16:creationId xmlns:a16="http://schemas.microsoft.com/office/drawing/2014/main" id="{1F5FB8BA-5C89-43E8-8A19-ED256EF80DA1}"/>
               </a:ext>
             </a:extLst>
           </p:cNvPr>
@@ -8172,25 +8450,301 @@
             <a:spLocks noGrp="1"/>
           </p:cNvSpPr>
           <p:nvPr>
-            <p:ph type="ctrTitle"/>
-          </p:nvPr>
-        </p:nvSpPr>
-        <p:spPr/>
+            <p:ph type="title"/>
+          </p:nvPr>
+        </p:nvSpPr>
+        <p:spPr>
+          <a:xfrm>
+            <a:off x="264664" y="216668"/>
+            <a:ext cx="11471817" cy="970450"/>
+          </a:xfrm>
+        </p:spPr>
         <p:txBody>
           <a:bodyPr/>
           <a:lstStyle/>
           <a:p>
             <a:r>
               <a:rPr lang="en-GB" dirty="0"/>
-              <a:t>3. Productivity Factors</a:t>
-            </a:r>
-          </a:p>
-        </p:txBody>
-      </p:sp>
+              <a:t>Productivity Growth Per Industry </a:t>
+            </a:r>
+          </a:p>
+        </p:txBody>
+      </p:sp>
+      <p:pic>
+        <p:nvPicPr>
+          <p:cNvPr id="7" name="Picture 6">
+            <a:extLst>
+              <a:ext uri="{FF2B5EF4-FFF2-40B4-BE49-F238E27FC236}">
+                <a16:creationId xmlns:a16="http://schemas.microsoft.com/office/drawing/2014/main" id="{FD06348A-69DE-4399-A223-14C7AC19795B}"/>
+              </a:ext>
+            </a:extLst>
+          </p:cNvPr>
+          <p:cNvPicPr>
+            <a:picLocks noChangeAspect="1"/>
+          </p:cNvPicPr>
+          <p:nvPr/>
+        </p:nvPicPr>
+        <p:blipFill>
+          <a:blip r:embed="rId3"/>
+          <a:stretch>
+            <a:fillRect/>
+          </a:stretch>
+        </p:blipFill>
+        <p:spPr>
+          <a:xfrm>
+            <a:off x="455519" y="1563797"/>
+            <a:ext cx="8127809" cy="5077534"/>
+          </a:xfrm>
+          <a:prstGeom prst="rect">
+            <a:avLst/>
+          </a:prstGeom>
+        </p:spPr>
+      </p:pic>
+      <p:graphicFrame>
+        <p:nvGraphicFramePr>
+          <p:cNvPr id="11" name="Table 4">
+            <a:extLst>
+              <a:ext uri="{FF2B5EF4-FFF2-40B4-BE49-F238E27FC236}">
+                <a16:creationId xmlns:a16="http://schemas.microsoft.com/office/drawing/2014/main" id="{7D9EED94-0945-49C9-B3CA-10A0AACFA831}"/>
+              </a:ext>
+            </a:extLst>
+          </p:cNvPr>
+          <p:cNvGraphicFramePr>
+            <a:graphicFrameLocks noGrp="1"/>
+          </p:cNvGraphicFramePr>
+          <p:nvPr>
+            <p:extLst>
+              <p:ext uri="{D42A27DB-BD31-4B8C-83A1-F6EECF244321}">
+                <p14:modId xmlns:p14="http://schemas.microsoft.com/office/powerpoint/2010/main" val="3993844811"/>
+              </p:ext>
+            </p:extLst>
+          </p:nvPr>
+        </p:nvGraphicFramePr>
+        <p:xfrm>
+          <a:off x="8827478" y="3050553"/>
+          <a:ext cx="2909004" cy="2127000"/>
+        </p:xfrm>
+        <a:graphic>
+          <a:graphicData uri="http://schemas.openxmlformats.org/drawingml/2006/table">
+            <a:tbl>
+              <a:tblPr firstRow="1" bandRow="1">
+                <a:tableStyleId>{5C22544A-7EE6-4342-B048-85BDC9FD1C3A}</a:tableStyleId>
+              </a:tblPr>
+              <a:tblGrid>
+                <a:gridCol w="761999">
+                  <a:extLst>
+                    <a:ext uri="{9D8B030D-6E8A-4147-A177-3AD203B41FA5}">
+                      <a16:colId xmlns:a16="http://schemas.microsoft.com/office/drawing/2014/main" val="688208302"/>
+                    </a:ext>
+                  </a:extLst>
+                </a:gridCol>
+                <a:gridCol w="2147005">
+                  <a:extLst>
+                    <a:ext uri="{9D8B030D-6E8A-4147-A177-3AD203B41FA5}">
+                      <a16:colId xmlns:a16="http://schemas.microsoft.com/office/drawing/2014/main" val="3111961199"/>
+                    </a:ext>
+                  </a:extLst>
+                </a:gridCol>
+              </a:tblGrid>
+              <a:tr h="482977">
+                <a:tc>
+                  <a:txBody>
+                    <a:bodyPr/>
+                    <a:lstStyle/>
+                    <a:p>
+                      <a:pPr algn="ctr"/>
+                      <a:r>
+                        <a:rPr lang="en-GB" sz="1800" dirty="0"/>
+                        <a:t>SIC</a:t>
+                      </a:r>
+                    </a:p>
+                  </a:txBody>
+                  <a:tcPr/>
+                </a:tc>
+                <a:tc>
+                  <a:txBody>
+                    <a:bodyPr/>
+                    <a:lstStyle/>
+                    <a:p>
+                      <a:r>
+                        <a:rPr lang="en-GB" sz="1800" dirty="0"/>
+                        <a:t>Category Name</a:t>
+                      </a:r>
+                    </a:p>
+                  </a:txBody>
+                  <a:tcPr/>
+                </a:tc>
+                <a:extLst>
+                  <a:ext uri="{0D108BD9-81ED-4DB2-BD59-A6C34878D82A}">
+                    <a16:rowId xmlns:a16="http://schemas.microsoft.com/office/drawing/2014/main" val="215653639"/>
+                  </a:ext>
+                </a:extLst>
+              </a:tr>
+              <a:tr h="402154">
+                <a:tc>
+                  <a:txBody>
+                    <a:bodyPr/>
+                    <a:lstStyle/>
+                    <a:p>
+                      <a:pPr algn="ctr" fontAlgn="b"/>
+                      <a:r>
+                        <a:rPr lang="en-GB" sz="1800" b="1" i="0" u="none" strike="noStrike" dirty="0">
+                          <a:solidFill>
+                            <a:srgbClr val="FC7C73"/>
+                          </a:solidFill>
+                          <a:effectLst/>
+                          <a:latin typeface="Calibri" panose="020F0502020204030204" pitchFamily="34" charset="0"/>
+                        </a:rPr>
+                        <a:t>A</a:t>
+                      </a:r>
+                    </a:p>
+                  </a:txBody>
+                  <a:tcPr marL="9525" marR="9525" marT="9525" marB="0" anchor="b"/>
+                </a:tc>
+                <a:tc>
+                  <a:txBody>
+                    <a:bodyPr/>
+                    <a:lstStyle/>
+                    <a:p>
+                      <a:pPr algn="l" fontAlgn="b"/>
+                      <a:r>
+                        <a:rPr lang="en-GB" sz="1800" b="0" i="0" u="none" strike="noStrike" dirty="0">
+                          <a:solidFill>
+                            <a:srgbClr val="000000"/>
+                          </a:solidFill>
+                          <a:effectLst/>
+                          <a:latin typeface="Calibri" panose="020F0502020204030204" pitchFamily="34" charset="0"/>
+                        </a:rPr>
+                        <a:t>Primary Product</a:t>
+                      </a:r>
+                    </a:p>
+                  </a:txBody>
+                  <a:tcPr marL="9525" marR="9525" marT="9525" marB="0" anchor="b"/>
+                </a:tc>
+                <a:extLst>
+                  <a:ext uri="{0D108BD9-81ED-4DB2-BD59-A6C34878D82A}">
+                    <a16:rowId xmlns:a16="http://schemas.microsoft.com/office/drawing/2014/main" val="1905838505"/>
+                  </a:ext>
+                </a:extLst>
+              </a:tr>
+              <a:tr h="547426">
+                <a:tc>
+                  <a:txBody>
+                    <a:bodyPr/>
+                    <a:lstStyle/>
+                    <a:p>
+                      <a:pPr algn="ctr" fontAlgn="b"/>
+                      <a:r>
+                        <a:rPr lang="en-GB" sz="1800" b="1" i="0" u="none" strike="noStrike" dirty="0">
+                          <a:solidFill>
+                            <a:srgbClr val="00B746"/>
+                          </a:solidFill>
+                          <a:effectLst/>
+                          <a:latin typeface="Calibri" panose="020F0502020204030204" pitchFamily="34" charset="0"/>
+                        </a:rPr>
+                        <a:t>B-E</a:t>
+                      </a:r>
+                    </a:p>
+                  </a:txBody>
+                  <a:tcPr marL="9525" marR="9525" marT="9525" marB="0" anchor="b"/>
+                </a:tc>
+                <a:tc>
+                  <a:txBody>
+                    <a:bodyPr/>
+                    <a:lstStyle/>
+                    <a:p>
+                      <a:pPr algn="l" fontAlgn="b"/>
+                      <a:r>
+                        <a:rPr lang="en-GB" sz="1800" b="0" i="0" u="none" strike="noStrike" dirty="0">
+                          <a:solidFill>
+                            <a:srgbClr val="000000"/>
+                          </a:solidFill>
+                          <a:effectLst/>
+                          <a:latin typeface="Calibri" panose="020F0502020204030204" pitchFamily="34" charset="0"/>
+                        </a:rPr>
+                        <a:t>Engineering</a:t>
+                      </a:r>
+                    </a:p>
+                  </a:txBody>
+                  <a:tcPr marL="9525" marR="9525" marT="9525" marB="0" anchor="b"/>
+                </a:tc>
+                <a:extLst>
+                  <a:ext uri="{0D108BD9-81ED-4DB2-BD59-A6C34878D82A}">
+                    <a16:rowId xmlns:a16="http://schemas.microsoft.com/office/drawing/2014/main" val="2549652039"/>
+                  </a:ext>
+                </a:extLst>
+              </a:tr>
+              <a:tr h="694443">
+                <a:tc>
+                  <a:txBody>
+                    <a:bodyPr/>
+                    <a:lstStyle/>
+                    <a:p>
+                      <a:pPr algn="ctr" fontAlgn="b"/>
+                      <a:r>
+                        <a:rPr lang="en-GB" sz="1800" b="1" i="0" u="none" strike="noStrike" dirty="0">
+                          <a:solidFill>
+                            <a:srgbClr val="529DFB"/>
+                          </a:solidFill>
+                          <a:effectLst/>
+                          <a:latin typeface="Calibri" panose="020F0502020204030204" pitchFamily="34" charset="0"/>
+                        </a:rPr>
+                        <a:t>J</a:t>
+                      </a:r>
+                    </a:p>
+                  </a:txBody>
+                  <a:tcPr marL="9525" marR="9525" marT="9525" marB="0" anchor="b"/>
+                </a:tc>
+                <a:tc>
+                  <a:txBody>
+                    <a:bodyPr/>
+                    <a:lstStyle/>
+                    <a:p>
+                      <a:pPr marL="0" marR="0" lvl="0" indent="0" algn="l" defTabSz="914400" rtl="0" eaLnBrk="1" fontAlgn="b" latinLnBrk="0" hangingPunct="1">
+                        <a:lnSpc>
+                          <a:spcPct val="100000"/>
+                        </a:lnSpc>
+                        <a:spcBef>
+                          <a:spcPts val="0"/>
+                        </a:spcBef>
+                        <a:spcAft>
+                          <a:spcPts val="0"/>
+                        </a:spcAft>
+                        <a:buClrTx/>
+                        <a:buSzTx/>
+                        <a:buFontTx/>
+                        <a:buNone/>
+                        <a:tabLst/>
+                        <a:defRPr/>
+                      </a:pPr>
+                      <a:r>
+                        <a:rPr lang="en-GB" sz="1800" b="0" i="0" u="none" strike="noStrike" dirty="0">
+                          <a:solidFill>
+                            <a:srgbClr val="000000"/>
+                          </a:solidFill>
+                          <a:effectLst/>
+                          <a:latin typeface="Calibri" panose="020F0502020204030204" pitchFamily="34" charset="0"/>
+                        </a:rPr>
+                        <a:t>Information and communication</a:t>
+                      </a:r>
+                    </a:p>
+                  </a:txBody>
+                  <a:tcPr marL="9525" marR="9525" marT="9525" marB="0" anchor="b"/>
+                </a:tc>
+                <a:extLst>
+                  <a:ext uri="{0D108BD9-81ED-4DB2-BD59-A6C34878D82A}">
+                    <a16:rowId xmlns:a16="http://schemas.microsoft.com/office/drawing/2014/main" val="3625162366"/>
+                  </a:ext>
+                </a:extLst>
+              </a:tr>
+            </a:tbl>
+          </a:graphicData>
+        </a:graphic>
+      </p:graphicFrame>
     </p:spTree>
     <p:extLst>
       <p:ext uri="{BB962C8B-B14F-4D97-AF65-F5344CB8AC3E}">
-        <p14:creationId xmlns:p14="http://schemas.microsoft.com/office/powerpoint/2010/main" val="872024521"/>
+        <p14:creationId xmlns:p14="http://schemas.microsoft.com/office/powerpoint/2010/main" val="2894693725"/>
       </p:ext>
     </p:extLst>
   </p:cSld>
@@ -8222,6 +8776,64 @@
           <p:cNvPr id="2" name="Title 1">
             <a:extLst>
               <a:ext uri="{FF2B5EF4-FFF2-40B4-BE49-F238E27FC236}">
+                <a16:creationId xmlns:a16="http://schemas.microsoft.com/office/drawing/2014/main" id="{B594D3B2-9BA8-4749-B503-A68BAB730F53}"/>
+              </a:ext>
+            </a:extLst>
+          </p:cNvPr>
+          <p:cNvSpPr>
+            <a:spLocks noGrp="1"/>
+          </p:cNvSpPr>
+          <p:nvPr>
+            <p:ph type="ctrTitle"/>
+          </p:nvPr>
+        </p:nvSpPr>
+        <p:spPr/>
+        <p:txBody>
+          <a:bodyPr/>
+          <a:lstStyle/>
+          <a:p>
+            <a:r>
+              <a:rPr lang="en-GB" dirty="0"/>
+              <a:t>3. Productivity Factors</a:t>
+            </a:r>
+          </a:p>
+        </p:txBody>
+      </p:sp>
+    </p:spTree>
+    <p:extLst>
+      <p:ext uri="{BB962C8B-B14F-4D97-AF65-F5344CB8AC3E}">
+        <p14:creationId xmlns:p14="http://schemas.microsoft.com/office/powerpoint/2010/main" val="872024521"/>
+      </p:ext>
+    </p:extLst>
+  </p:cSld>
+  <p:clrMapOvr>
+    <a:masterClrMapping/>
+  </p:clrMapOvr>
+</p:sld>
+</file>
+
+<file path=ppt/slides/slide12.xml><?xml version="1.0" encoding="utf-8"?>
+<p:sld xmlns:a="http://schemas.openxmlformats.org/drawingml/2006/main" xmlns:r="http://schemas.openxmlformats.org/officeDocument/2006/relationships" xmlns:p="http://schemas.openxmlformats.org/presentationml/2006/main">
+  <p:cSld>
+    <p:spTree>
+      <p:nvGrpSpPr>
+        <p:cNvPr id="1" name=""/>
+        <p:cNvGrpSpPr/>
+        <p:nvPr/>
+      </p:nvGrpSpPr>
+      <p:grpSpPr>
+        <a:xfrm>
+          <a:off x="0" y="0"/>
+          <a:ext cx="0" cy="0"/>
+          <a:chOff x="0" y="0"/>
+          <a:chExt cx="0" cy="0"/>
+        </a:xfrm>
+      </p:grpSpPr>
+      <p:sp>
+        <p:nvSpPr>
+          <p:cNvPr id="2" name="Title 1">
+            <a:extLst>
+              <a:ext uri="{FF2B5EF4-FFF2-40B4-BE49-F238E27FC236}">
                 <a16:creationId xmlns:a16="http://schemas.microsoft.com/office/drawing/2014/main" id="{39F2B7E9-7F63-44AF-9D0D-AA7E842AD85A}"/>
               </a:ext>
             </a:extLst>
@@ -8289,31 +8901,25 @@
           <a:p>
             <a:r>
               <a:rPr lang="en-GB" dirty="0"/>
-              <a:t>Average / Minimum Salary </a:t>
+              <a:t>Inflation rate</a:t>
             </a:r>
           </a:p>
           <a:p>
             <a:r>
               <a:rPr lang="en-GB" dirty="0"/>
-              <a:t>Annual Hours Worked</a:t>
+              <a:t>Annual hours worked</a:t>
             </a:r>
           </a:p>
           <a:p>
             <a:r>
               <a:rPr lang="en-GB" dirty="0"/>
-              <a:t>Unemployment Rate</a:t>
+              <a:t>Average / Minimum salary </a:t>
             </a:r>
           </a:p>
           <a:p>
             <a:r>
               <a:rPr lang="en-GB" dirty="0"/>
-              <a:t>Inflation Rate</a:t>
-            </a:r>
-          </a:p>
-          <a:p>
-            <a:r>
-              <a:rPr lang="en-GB" dirty="0"/>
-              <a:t>Education Proportion:-</a:t>
+              <a:t>Education proportion per population:-</a:t>
             </a:r>
           </a:p>
           <a:p>
@@ -8730,7 +9336,7 @@
           <a:p>
             <a:r>
               <a:rPr lang="en-GB" dirty="0"/>
-              <a:t>2 Samples Independent Tests </a:t>
+              <a:t>2 Samples Independent tests </a:t>
             </a:r>
           </a:p>
           <a:p>
@@ -8766,7 +9372,7 @@
 </p:sld>
 </file>
 
-<file path=ppt/slides/slide12.xml><?xml version="1.0" encoding="utf-8"?>
+<file path=ppt/slides/slide13.xml><?xml version="1.0" encoding="utf-8"?>
 <p:sld xmlns:a="http://schemas.openxmlformats.org/drawingml/2006/main" xmlns:r="http://schemas.openxmlformats.org/officeDocument/2006/relationships" xmlns:p="http://schemas.openxmlformats.org/presentationml/2006/main">
   <p:cSld>
     <p:spTree>
@@ -8799,7 +9405,12 @@
             <p:ph type="title"/>
           </p:nvPr>
         </p:nvSpPr>
-        <p:spPr/>
+        <p:spPr>
+          <a:xfrm>
+            <a:off x="913795" y="187569"/>
+            <a:ext cx="10353762" cy="970450"/>
+          </a:xfrm>
+        </p:spPr>
         <p:txBody>
           <a:bodyPr/>
           <a:lstStyle/>
@@ -8827,9 +9438,645 @@
             <p:ph idx="1"/>
             <p:extLst>
               <p:ext uri="{D42A27DB-BD31-4B8C-83A1-F6EECF244321}">
-                <p14:modId xmlns:p14="http://schemas.microsoft.com/office/powerpoint/2010/main" val="1829482707"/>
+                <p14:modId xmlns:p14="http://schemas.microsoft.com/office/powerpoint/2010/main" val="642339203"/>
               </p:ext>
             </p:extLst>
+          </p:nvPr>
+        </p:nvGraphicFramePr>
+        <p:xfrm>
+          <a:off x="2688053" y="1580050"/>
+          <a:ext cx="6805246" cy="3684401"/>
+        </p:xfrm>
+        <a:graphic>
+          <a:graphicData uri="http://schemas.openxmlformats.org/drawingml/2006/table">
+            <a:tbl>
+              <a:tblPr firstRow="1" bandRow="1">
+                <a:tableStyleId>{5C22544A-7EE6-4342-B048-85BDC9FD1C3A}</a:tableStyleId>
+              </a:tblPr>
+              <a:tblGrid>
+                <a:gridCol w="3724470">
+                  <a:extLst>
+                    <a:ext uri="{9D8B030D-6E8A-4147-A177-3AD203B41FA5}">
+                      <a16:colId xmlns:a16="http://schemas.microsoft.com/office/drawing/2014/main" val="3936817656"/>
+                    </a:ext>
+                  </a:extLst>
+                </a:gridCol>
+                <a:gridCol w="3080776">
+                  <a:extLst>
+                    <a:ext uri="{9D8B030D-6E8A-4147-A177-3AD203B41FA5}">
+                      <a16:colId xmlns:a16="http://schemas.microsoft.com/office/drawing/2014/main" val="3139253213"/>
+                    </a:ext>
+                  </a:extLst>
+                </a:gridCol>
+              </a:tblGrid>
+              <a:tr h="526343">
+                <a:tc>
+                  <a:txBody>
+                    <a:bodyPr/>
+                    <a:lstStyle/>
+                    <a:p>
+                      <a:r>
+                        <a:rPr lang="en-GB" dirty="0"/>
+                        <a:t>Hypothesis Test Factors</a:t>
+                      </a:r>
+                    </a:p>
+                  </a:txBody>
+                  <a:tcPr/>
+                </a:tc>
+                <a:tc>
+                  <a:txBody>
+                    <a:bodyPr/>
+                    <a:lstStyle/>
+                    <a:p>
+                      <a:r>
+                        <a:rPr lang="en-GB" dirty="0"/>
+                        <a:t>Influence on Productivity</a:t>
+                      </a:r>
+                    </a:p>
+                  </a:txBody>
+                  <a:tcPr/>
+                </a:tc>
+                <a:extLst>
+                  <a:ext uri="{0D108BD9-81ED-4DB2-BD59-A6C34878D82A}">
+                    <a16:rowId xmlns:a16="http://schemas.microsoft.com/office/drawing/2014/main" val="3629633861"/>
+                  </a:ext>
+                </a:extLst>
+              </a:tr>
+              <a:tr h="526343">
+                <a:tc>
+                  <a:txBody>
+                    <a:bodyPr/>
+                    <a:lstStyle/>
+                    <a:p>
+                      <a:pPr marL="0" marR="0" lvl="0" indent="0" algn="l" defTabSz="914400" rtl="0" eaLnBrk="1" fontAlgn="auto" latinLnBrk="0" hangingPunct="1">
+                        <a:lnSpc>
+                          <a:spcPct val="100000"/>
+                        </a:lnSpc>
+                        <a:spcBef>
+                          <a:spcPts val="0"/>
+                        </a:spcBef>
+                        <a:spcAft>
+                          <a:spcPts val="0"/>
+                        </a:spcAft>
+                        <a:buClrTx/>
+                        <a:buSzTx/>
+                        <a:buFontTx/>
+                        <a:buNone/>
+                        <a:tabLst/>
+                        <a:defRPr/>
+                      </a:pPr>
+                      <a:r>
+                        <a:rPr lang="en-GB" dirty="0"/>
+                        <a:t>Higher Inflation Rate</a:t>
+                      </a:r>
+                    </a:p>
+                  </a:txBody>
+                  <a:tcPr/>
+                </a:tc>
+                <a:tc>
+                  <a:txBody>
+                    <a:bodyPr/>
+                    <a:lstStyle/>
+                    <a:p>
+                      <a:r>
+                        <a:rPr lang="en-GB" dirty="0"/>
+                        <a:t>Significantly Lower</a:t>
+                      </a:r>
+                    </a:p>
+                  </a:txBody>
+                  <a:tcPr/>
+                </a:tc>
+                <a:extLst>
+                  <a:ext uri="{0D108BD9-81ED-4DB2-BD59-A6C34878D82A}">
+                    <a16:rowId xmlns:a16="http://schemas.microsoft.com/office/drawing/2014/main" val="1049310859"/>
+                  </a:ext>
+                </a:extLst>
+              </a:tr>
+              <a:tr h="526343">
+                <a:tc>
+                  <a:txBody>
+                    <a:bodyPr/>
+                    <a:lstStyle/>
+                    <a:p>
+                      <a:r>
+                        <a:rPr lang="en-GB" dirty="0"/>
+                        <a:t>Higher Worked Hours</a:t>
+                      </a:r>
+                    </a:p>
+                  </a:txBody>
+                  <a:tcPr/>
+                </a:tc>
+                <a:tc>
+                  <a:txBody>
+                    <a:bodyPr/>
+                    <a:lstStyle/>
+                    <a:p>
+                      <a:r>
+                        <a:rPr lang="en-GB" dirty="0"/>
+                        <a:t>Significantly Lower</a:t>
+                      </a:r>
+                    </a:p>
+                  </a:txBody>
+                  <a:tcPr/>
+                </a:tc>
+                <a:extLst>
+                  <a:ext uri="{0D108BD9-81ED-4DB2-BD59-A6C34878D82A}">
+                    <a16:rowId xmlns:a16="http://schemas.microsoft.com/office/drawing/2014/main" val="2730758345"/>
+                  </a:ext>
+                </a:extLst>
+              </a:tr>
+              <a:tr h="526343">
+                <a:tc>
+                  <a:txBody>
+                    <a:bodyPr/>
+                    <a:lstStyle/>
+                    <a:p>
+                      <a:r>
+                        <a:rPr lang="en-GB" dirty="0"/>
+                        <a:t>Higher Min/Average Salary</a:t>
+                      </a:r>
+                    </a:p>
+                  </a:txBody>
+                  <a:tcPr/>
+                </a:tc>
+                <a:tc>
+                  <a:txBody>
+                    <a:bodyPr/>
+                    <a:lstStyle/>
+                    <a:p>
+                      <a:r>
+                        <a:rPr lang="en-GB" dirty="0"/>
+                        <a:t>Significantly Higher</a:t>
+                      </a:r>
+                    </a:p>
+                  </a:txBody>
+                  <a:tcPr/>
+                </a:tc>
+                <a:extLst>
+                  <a:ext uri="{0D108BD9-81ED-4DB2-BD59-A6C34878D82A}">
+                    <a16:rowId xmlns:a16="http://schemas.microsoft.com/office/drawing/2014/main" val="239494701"/>
+                  </a:ext>
+                </a:extLst>
+              </a:tr>
+              <a:tr h="526343">
+                <a:tc>
+                  <a:txBody>
+                    <a:bodyPr/>
+                    <a:lstStyle/>
+                    <a:p>
+                      <a:r>
+                        <a:rPr lang="en-GB" dirty="0"/>
+                        <a:t>Upper Secondary Education</a:t>
+                      </a:r>
+                    </a:p>
+                  </a:txBody>
+                  <a:tcPr/>
+                </a:tc>
+                <a:tc>
+                  <a:txBody>
+                    <a:bodyPr/>
+                    <a:lstStyle/>
+                    <a:p>
+                      <a:r>
+                        <a:rPr lang="en-GB" dirty="0"/>
+                        <a:t>Significantly Higher</a:t>
+                      </a:r>
+                    </a:p>
+                  </a:txBody>
+                  <a:tcPr/>
+                </a:tc>
+                <a:extLst>
+                  <a:ext uri="{0D108BD9-81ED-4DB2-BD59-A6C34878D82A}">
+                    <a16:rowId xmlns:a16="http://schemas.microsoft.com/office/drawing/2014/main" val="364740148"/>
+                  </a:ext>
+                </a:extLst>
+              </a:tr>
+              <a:tr h="526343">
+                <a:tc>
+                  <a:txBody>
+                    <a:bodyPr/>
+                    <a:lstStyle/>
+                    <a:p>
+                      <a:r>
+                        <a:rPr lang="en-GB" dirty="0"/>
+                        <a:t>Below Upper Secondary Education</a:t>
+                      </a:r>
+                    </a:p>
+                  </a:txBody>
+                  <a:tcPr/>
+                </a:tc>
+                <a:tc>
+                  <a:txBody>
+                    <a:bodyPr/>
+                    <a:lstStyle/>
+                    <a:p>
+                      <a:r>
+                        <a:rPr lang="en-GB" dirty="0"/>
+                        <a:t>Insignificant</a:t>
+                      </a:r>
+                    </a:p>
+                  </a:txBody>
+                  <a:tcPr/>
+                </a:tc>
+                <a:extLst>
+                  <a:ext uri="{0D108BD9-81ED-4DB2-BD59-A6C34878D82A}">
+                    <a16:rowId xmlns:a16="http://schemas.microsoft.com/office/drawing/2014/main" val="1172163280"/>
+                  </a:ext>
+                </a:extLst>
+              </a:tr>
+              <a:tr h="526343">
+                <a:tc>
+                  <a:txBody>
+                    <a:bodyPr/>
+                    <a:lstStyle/>
+                    <a:p>
+                      <a:r>
+                        <a:rPr lang="en-GB" dirty="0"/>
+                        <a:t>Tertiary Education </a:t>
+                      </a:r>
+                    </a:p>
+                  </a:txBody>
+                  <a:tcPr/>
+                </a:tc>
+                <a:tc>
+                  <a:txBody>
+                    <a:bodyPr/>
+                    <a:lstStyle/>
+                    <a:p>
+                      <a:r>
+                        <a:rPr lang="en-GB" dirty="0"/>
+                        <a:t>Insignificant</a:t>
+                      </a:r>
+                    </a:p>
+                  </a:txBody>
+                  <a:tcPr/>
+                </a:tc>
+                <a:extLst>
+                  <a:ext uri="{0D108BD9-81ED-4DB2-BD59-A6C34878D82A}">
+                    <a16:rowId xmlns:a16="http://schemas.microsoft.com/office/drawing/2014/main" val="3538388004"/>
+                  </a:ext>
+                </a:extLst>
+              </a:tr>
+            </a:tbl>
+          </a:graphicData>
+        </a:graphic>
+      </p:graphicFrame>
+    </p:spTree>
+    <p:extLst>
+      <p:ext uri="{BB962C8B-B14F-4D97-AF65-F5344CB8AC3E}">
+        <p14:creationId xmlns:p14="http://schemas.microsoft.com/office/powerpoint/2010/main" val="3715291440"/>
+      </p:ext>
+    </p:extLst>
+  </p:cSld>
+  <p:clrMapOvr>
+    <a:masterClrMapping/>
+  </p:clrMapOvr>
+</p:sld>
+</file>
+
+<file path=ppt/slides/slide14.xml><?xml version="1.0" encoding="utf-8"?>
+<p:sld xmlns:a="http://schemas.openxmlformats.org/drawingml/2006/main" xmlns:r="http://schemas.openxmlformats.org/officeDocument/2006/relationships" xmlns:p="http://schemas.openxmlformats.org/presentationml/2006/main">
+  <p:cSld>
+    <p:spTree>
+      <p:nvGrpSpPr>
+        <p:cNvPr id="1" name=""/>
+        <p:cNvGrpSpPr/>
+        <p:nvPr/>
+      </p:nvGrpSpPr>
+      <p:grpSpPr>
+        <a:xfrm>
+          <a:off x="0" y="0"/>
+          <a:ext cx="0" cy="0"/>
+          <a:chOff x="0" y="0"/>
+          <a:chExt cx="0" cy="0"/>
+        </a:xfrm>
+      </p:grpSpPr>
+      <p:sp>
+        <p:nvSpPr>
+          <p:cNvPr id="2" name="Title 1">
+            <a:extLst>
+              <a:ext uri="{FF2B5EF4-FFF2-40B4-BE49-F238E27FC236}">
+                <a16:creationId xmlns:a16="http://schemas.microsoft.com/office/drawing/2014/main" id="{FAC96B03-B3DD-484A-93A1-05C0579147C8}"/>
+              </a:ext>
+            </a:extLst>
+          </p:cNvPr>
+          <p:cNvSpPr>
+            <a:spLocks noGrp="1"/>
+          </p:cNvSpPr>
+          <p:nvPr>
+            <p:ph type="title"/>
+          </p:nvPr>
+        </p:nvSpPr>
+        <p:spPr/>
+        <p:txBody>
+          <a:bodyPr/>
+          <a:lstStyle/>
+          <a:p>
+            <a:r>
+              <a:rPr lang="en-GB" dirty="0"/>
+              <a:t>Conclusion</a:t>
+            </a:r>
+          </a:p>
+        </p:txBody>
+      </p:sp>
+      <p:sp>
+        <p:nvSpPr>
+          <p:cNvPr id="3" name="Content Placeholder 2">
+            <a:extLst>
+              <a:ext uri="{FF2B5EF4-FFF2-40B4-BE49-F238E27FC236}">
+                <a16:creationId xmlns:a16="http://schemas.microsoft.com/office/drawing/2014/main" id="{4C4FCC3D-8F68-46A8-8B5D-1BED22ABC1AC}"/>
+              </a:ext>
+            </a:extLst>
+          </p:cNvPr>
+          <p:cNvSpPr>
+            <a:spLocks noGrp="1"/>
+          </p:cNvSpPr>
+          <p:nvPr>
+            <p:ph idx="1"/>
+          </p:nvPr>
+        </p:nvSpPr>
+        <p:spPr/>
+        <p:txBody>
+          <a:bodyPr>
+            <a:normAutofit/>
+          </a:bodyPr>
+          <a:lstStyle/>
+          <a:p>
+            <a:pPr marL="36900" indent="0">
+              <a:buNone/>
+            </a:pPr>
+            <a:r>
+              <a:rPr lang="en-US" dirty="0"/>
+              <a:t>How can we improve productivity within Scotland and the UK overall? </a:t>
+            </a:r>
+          </a:p>
+          <a:p>
+            <a:pPr marL="36900" indent="0">
+              <a:buNone/>
+            </a:pPr>
+            <a:endParaRPr lang="en-US" dirty="0"/>
+          </a:p>
+          <a:p>
+            <a:pPr marL="36900" indent="0">
+              <a:buNone/>
+            </a:pPr>
+            <a:r>
+              <a:rPr lang="en-US" dirty="0"/>
+              <a:t>1. Which industries are lagging behind in terms of productivity? </a:t>
+            </a:r>
+          </a:p>
+          <a:p>
+            <a:r>
+              <a:rPr lang="en-US" dirty="0"/>
+              <a:t>Scotland’s </a:t>
+            </a:r>
+            <a:r>
+              <a:rPr lang="en-GB" dirty="0"/>
+              <a:t>Information and Communication Industry</a:t>
+            </a:r>
+            <a:endParaRPr lang="en-US" dirty="0"/>
+          </a:p>
+          <a:p>
+            <a:pPr marL="36900" indent="0">
+              <a:buNone/>
+            </a:pPr>
+            <a:endParaRPr lang="en-US" dirty="0"/>
+          </a:p>
+          <a:p>
+            <a:pPr marL="36900" indent="0">
+              <a:buNone/>
+            </a:pPr>
+            <a:r>
+              <a:rPr lang="en-US" dirty="0"/>
+              <a:t>2. What factors can be improved to increase employee and/or business productivity across UK regions? </a:t>
+            </a:r>
+          </a:p>
+          <a:p>
+            <a:r>
+              <a:rPr lang="en-US" dirty="0"/>
+              <a:t>On average, countries with higher Minimum / Average salary and </a:t>
+            </a:r>
+            <a:r>
+              <a:rPr lang="en-GB" dirty="0"/>
+              <a:t>Upper Secondary Education have significantly higher productivity.</a:t>
+            </a:r>
+            <a:endParaRPr lang="en-US" dirty="0"/>
+          </a:p>
+          <a:p>
+            <a:endParaRPr lang="en-GB" dirty="0"/>
+          </a:p>
+        </p:txBody>
+      </p:sp>
+    </p:spTree>
+    <p:extLst>
+      <p:ext uri="{BB962C8B-B14F-4D97-AF65-F5344CB8AC3E}">
+        <p14:creationId xmlns:p14="http://schemas.microsoft.com/office/powerpoint/2010/main" val="4197613280"/>
+      </p:ext>
+    </p:extLst>
+  </p:cSld>
+  <p:clrMapOvr>
+    <a:masterClrMapping/>
+  </p:clrMapOvr>
+</p:sld>
+</file>
+
+<file path=ppt/slides/slide15.xml><?xml version="1.0" encoding="utf-8"?>
+<p:sld xmlns:a="http://schemas.openxmlformats.org/drawingml/2006/main" xmlns:r="http://schemas.openxmlformats.org/officeDocument/2006/relationships" xmlns:p="http://schemas.openxmlformats.org/presentationml/2006/main">
+  <p:cSld>
+    <p:spTree>
+      <p:nvGrpSpPr>
+        <p:cNvPr id="1" name=""/>
+        <p:cNvGrpSpPr/>
+        <p:nvPr/>
+      </p:nvGrpSpPr>
+      <p:grpSpPr>
+        <a:xfrm>
+          <a:off x="0" y="0"/>
+          <a:ext cx="0" cy="0"/>
+          <a:chOff x="0" y="0"/>
+          <a:chExt cx="0" cy="0"/>
+        </a:xfrm>
+      </p:grpSpPr>
+      <p:sp>
+        <p:nvSpPr>
+          <p:cNvPr id="2" name="Title 1">
+            <a:extLst>
+              <a:ext uri="{FF2B5EF4-FFF2-40B4-BE49-F238E27FC236}">
+                <a16:creationId xmlns:a16="http://schemas.microsoft.com/office/drawing/2014/main" id="{7878828A-128D-4E23-9F4C-51348C25F9F2}"/>
+              </a:ext>
+            </a:extLst>
+          </p:cNvPr>
+          <p:cNvSpPr>
+            <a:spLocks noGrp="1"/>
+          </p:cNvSpPr>
+          <p:nvPr>
+            <p:ph type="ctrTitle"/>
+          </p:nvPr>
+        </p:nvSpPr>
+        <p:spPr/>
+        <p:txBody>
+          <a:bodyPr/>
+          <a:lstStyle/>
+          <a:p>
+            <a:r>
+              <a:rPr lang="en-GB" dirty="0"/>
+              <a:t>The End</a:t>
+            </a:r>
+          </a:p>
+        </p:txBody>
+      </p:sp>
+    </p:spTree>
+    <p:extLst>
+      <p:ext uri="{BB962C8B-B14F-4D97-AF65-F5344CB8AC3E}">
+        <p14:creationId xmlns:p14="http://schemas.microsoft.com/office/powerpoint/2010/main" val="4061790142"/>
+      </p:ext>
+    </p:extLst>
+  </p:cSld>
+  <p:clrMapOvr>
+    <a:masterClrMapping/>
+  </p:clrMapOvr>
+</p:sld>
+</file>
+
+<file path=ppt/slides/slide16.xml><?xml version="1.0" encoding="utf-8"?>
+<p:sld xmlns:a="http://schemas.openxmlformats.org/drawingml/2006/main" xmlns:r="http://schemas.openxmlformats.org/officeDocument/2006/relationships" xmlns:p="http://schemas.openxmlformats.org/presentationml/2006/main">
+  <p:cSld>
+    <p:spTree>
+      <p:nvGrpSpPr>
+        <p:cNvPr id="1" name=""/>
+        <p:cNvGrpSpPr/>
+        <p:nvPr/>
+      </p:nvGrpSpPr>
+      <p:grpSpPr>
+        <a:xfrm>
+          <a:off x="0" y="0"/>
+          <a:ext cx="0" cy="0"/>
+          <a:chOff x="0" y="0"/>
+          <a:chExt cx="0" cy="0"/>
+        </a:xfrm>
+      </p:grpSpPr>
+      <p:sp>
+        <p:nvSpPr>
+          <p:cNvPr id="2" name="Title 1">
+            <a:extLst>
+              <a:ext uri="{FF2B5EF4-FFF2-40B4-BE49-F238E27FC236}">
+                <a16:creationId xmlns:a16="http://schemas.microsoft.com/office/drawing/2014/main" id="{5D8D0FE5-271D-4BD6-B54A-C1C4F3BD24CD}"/>
+              </a:ext>
+            </a:extLst>
+          </p:cNvPr>
+          <p:cNvSpPr>
+            <a:spLocks noGrp="1"/>
+          </p:cNvSpPr>
+          <p:nvPr>
+            <p:ph type="title"/>
+          </p:nvPr>
+        </p:nvSpPr>
+        <p:spPr/>
+        <p:txBody>
+          <a:bodyPr/>
+          <a:lstStyle/>
+          <a:p>
+            <a:endParaRPr lang="en-GB"/>
+          </a:p>
+        </p:txBody>
+      </p:sp>
+      <p:sp>
+        <p:nvSpPr>
+          <p:cNvPr id="3" name="Content Placeholder 2">
+            <a:extLst>
+              <a:ext uri="{FF2B5EF4-FFF2-40B4-BE49-F238E27FC236}">
+                <a16:creationId xmlns:a16="http://schemas.microsoft.com/office/drawing/2014/main" id="{65DDAF19-A9D1-4497-94C9-CE74A3107CB1}"/>
+              </a:ext>
+            </a:extLst>
+          </p:cNvPr>
+          <p:cNvSpPr>
+            <a:spLocks noGrp="1"/>
+          </p:cNvSpPr>
+          <p:nvPr>
+            <p:ph idx="1"/>
+          </p:nvPr>
+        </p:nvSpPr>
+        <p:spPr/>
+        <p:txBody>
+          <a:bodyPr/>
+          <a:lstStyle/>
+          <a:p>
+            <a:endParaRPr lang="en-GB"/>
+          </a:p>
+        </p:txBody>
+      </p:sp>
+    </p:spTree>
+    <p:extLst>
+      <p:ext uri="{BB962C8B-B14F-4D97-AF65-F5344CB8AC3E}">
+        <p14:creationId xmlns:p14="http://schemas.microsoft.com/office/powerpoint/2010/main" val="1975672113"/>
+      </p:ext>
+    </p:extLst>
+  </p:cSld>
+  <p:clrMapOvr>
+    <a:masterClrMapping/>
+  </p:clrMapOvr>
+</p:sld>
+</file>
+
+<file path=ppt/slides/slide17.xml><?xml version="1.0" encoding="utf-8"?>
+<p:sld xmlns:a="http://schemas.openxmlformats.org/drawingml/2006/main" xmlns:r="http://schemas.openxmlformats.org/officeDocument/2006/relationships" xmlns:p="http://schemas.openxmlformats.org/presentationml/2006/main">
+  <p:cSld>
+    <p:spTree>
+      <p:nvGrpSpPr>
+        <p:cNvPr id="1" name=""/>
+        <p:cNvGrpSpPr/>
+        <p:nvPr/>
+      </p:nvGrpSpPr>
+      <p:grpSpPr>
+        <a:xfrm>
+          <a:off x="0" y="0"/>
+          <a:ext cx="0" cy="0"/>
+          <a:chOff x="0" y="0"/>
+          <a:chExt cx="0" cy="0"/>
+        </a:xfrm>
+      </p:grpSpPr>
+      <p:sp>
+        <p:nvSpPr>
+          <p:cNvPr id="2" name="Title 1">
+            <a:extLst>
+              <a:ext uri="{FF2B5EF4-FFF2-40B4-BE49-F238E27FC236}">
+                <a16:creationId xmlns:a16="http://schemas.microsoft.com/office/drawing/2014/main" id="{F79CB014-5C13-4E53-AA5A-9B3A25162F4A}"/>
+              </a:ext>
+            </a:extLst>
+          </p:cNvPr>
+          <p:cNvSpPr>
+            <a:spLocks noGrp="1"/>
+          </p:cNvSpPr>
+          <p:nvPr>
+            <p:ph type="title"/>
+          </p:nvPr>
+        </p:nvSpPr>
+        <p:spPr/>
+        <p:txBody>
+          <a:bodyPr/>
+          <a:lstStyle/>
+          <a:p>
+            <a:r>
+              <a:rPr lang="en-GB" dirty="0"/>
+              <a:t>Hypothesis Test Results</a:t>
+            </a:r>
+          </a:p>
+        </p:txBody>
+      </p:sp>
+      <p:graphicFrame>
+        <p:nvGraphicFramePr>
+          <p:cNvPr id="4" name="Table 4">
+            <a:extLst>
+              <a:ext uri="{FF2B5EF4-FFF2-40B4-BE49-F238E27FC236}">
+                <a16:creationId xmlns:a16="http://schemas.microsoft.com/office/drawing/2014/main" id="{2EA49FE7-052E-4EE5-8F35-4AF92D4904B3}"/>
+              </a:ext>
+            </a:extLst>
+          </p:cNvPr>
+          <p:cNvGraphicFramePr>
+            <a:graphicFrameLocks noGrp="1"/>
+          </p:cNvGraphicFramePr>
+          <p:nvPr>
+            <p:ph idx="1"/>
           </p:nvPr>
         </p:nvGraphicFramePr>
         <p:xfrm>
@@ -8908,98 +10155,6 @@
                 <a:extLst>
                   <a:ext uri="{0D108BD9-81ED-4DB2-BD59-A6C34878D82A}">
                     <a16:rowId xmlns:a16="http://schemas.microsoft.com/office/drawing/2014/main" val="3629633861"/>
-                  </a:ext>
-                </a:extLst>
-              </a:tr>
-              <a:tr h="526343">
-                <a:tc>
-                  <a:txBody>
-                    <a:bodyPr/>
-                    <a:lstStyle/>
-                    <a:p>
-                      <a:r>
-                        <a:rPr lang="en-GB" dirty="0"/>
-                        <a:t>Higher Min/Average Salary</a:t>
-                      </a:r>
-                    </a:p>
-                  </a:txBody>
-                  <a:tcPr/>
-                </a:tc>
-                <a:tc>
-                  <a:txBody>
-                    <a:bodyPr/>
-                    <a:lstStyle/>
-                    <a:p>
-                      <a:r>
-                        <a:rPr lang="en-GB" dirty="0"/>
-                        <a:t>Significant</a:t>
-                      </a:r>
-                    </a:p>
-                  </a:txBody>
-                  <a:tcPr/>
-                </a:tc>
-                <a:tc>
-                  <a:txBody>
-                    <a:bodyPr/>
-                    <a:lstStyle/>
-                    <a:p>
-                      <a:r>
-                        <a:rPr lang="en-GB" dirty="0"/>
-                        <a:t>Positive </a:t>
-                      </a:r>
-                    </a:p>
-                  </a:txBody>
-                  <a:tcPr/>
-                </a:tc>
-                <a:extLst>
-                  <a:ext uri="{0D108BD9-81ED-4DB2-BD59-A6C34878D82A}">
-                    <a16:rowId xmlns:a16="http://schemas.microsoft.com/office/drawing/2014/main" val="1005245240"/>
-                  </a:ext>
-                </a:extLst>
-              </a:tr>
-              <a:tr h="526343">
-                <a:tc>
-                  <a:txBody>
-                    <a:bodyPr/>
-                    <a:lstStyle/>
-                    <a:p>
-                      <a:r>
-                        <a:rPr lang="en-GB" dirty="0"/>
-                        <a:t>Higher Worked Hours</a:t>
-                      </a:r>
-                    </a:p>
-                  </a:txBody>
-                  <a:tcPr/>
-                </a:tc>
-                <a:tc>
-                  <a:txBody>
-                    <a:bodyPr/>
-                    <a:lstStyle/>
-                    <a:p>
-                      <a:r>
-                        <a:rPr lang="en-GB" dirty="0"/>
-                        <a:t>Significant</a:t>
-                      </a:r>
-                    </a:p>
-                  </a:txBody>
-                  <a:tcPr/>
-                </a:tc>
-                <a:tc>
-                  <a:txBody>
-                    <a:bodyPr/>
-                    <a:lstStyle/>
-                    <a:p>
-                      <a:r>
-                        <a:rPr lang="en-GB" dirty="0"/>
-                        <a:t>Negative</a:t>
-                      </a:r>
-                    </a:p>
-                  </a:txBody>
-                  <a:tcPr/>
-                </a:tc>
-                <a:extLst>
-                  <a:ext uri="{0D108BD9-81ED-4DB2-BD59-A6C34878D82A}">
-                    <a16:rowId xmlns:a16="http://schemas.microsoft.com/office/drawing/2014/main" val="2232000039"/>
                   </a:ext>
                 </a:extLst>
               </a:tr>
@@ -9126,6 +10281,98 @@
                 <a:extLst>
                   <a:ext uri="{0D108BD9-81ED-4DB2-BD59-A6C34878D82A}">
                     <a16:rowId xmlns:a16="http://schemas.microsoft.com/office/drawing/2014/main" val="1049310859"/>
+                  </a:ext>
+                </a:extLst>
+              </a:tr>
+              <a:tr h="526343">
+                <a:tc>
+                  <a:txBody>
+                    <a:bodyPr/>
+                    <a:lstStyle/>
+                    <a:p>
+                      <a:r>
+                        <a:rPr lang="en-GB" dirty="0"/>
+                        <a:t>Higher Worked Hours</a:t>
+                      </a:r>
+                    </a:p>
+                  </a:txBody>
+                  <a:tcPr/>
+                </a:tc>
+                <a:tc>
+                  <a:txBody>
+                    <a:bodyPr/>
+                    <a:lstStyle/>
+                    <a:p>
+                      <a:r>
+                        <a:rPr lang="en-GB" dirty="0"/>
+                        <a:t>Significant</a:t>
+                      </a:r>
+                    </a:p>
+                  </a:txBody>
+                  <a:tcPr/>
+                </a:tc>
+                <a:tc>
+                  <a:txBody>
+                    <a:bodyPr/>
+                    <a:lstStyle/>
+                    <a:p>
+                      <a:r>
+                        <a:rPr lang="en-GB" dirty="0"/>
+                        <a:t>Negative</a:t>
+                      </a:r>
+                    </a:p>
+                  </a:txBody>
+                  <a:tcPr/>
+                </a:tc>
+                <a:extLst>
+                  <a:ext uri="{0D108BD9-81ED-4DB2-BD59-A6C34878D82A}">
+                    <a16:rowId xmlns:a16="http://schemas.microsoft.com/office/drawing/2014/main" val="2730758345"/>
+                  </a:ext>
+                </a:extLst>
+              </a:tr>
+              <a:tr h="526343">
+                <a:tc>
+                  <a:txBody>
+                    <a:bodyPr/>
+                    <a:lstStyle/>
+                    <a:p>
+                      <a:r>
+                        <a:rPr lang="en-GB" dirty="0"/>
+                        <a:t>Higher Min/Average Salary</a:t>
+                      </a:r>
+                    </a:p>
+                  </a:txBody>
+                  <a:tcPr/>
+                </a:tc>
+                <a:tc>
+                  <a:txBody>
+                    <a:bodyPr/>
+                    <a:lstStyle/>
+                    <a:p>
+                      <a:r>
+                        <a:rPr lang="en-GB" dirty="0"/>
+                        <a:t>Significant</a:t>
+                      </a:r>
+                    </a:p>
+                  </a:txBody>
+                  <a:tcPr/>
+                </a:tc>
+                <a:tc>
+                  <a:txBody>
+                    <a:bodyPr/>
+                    <a:lstStyle/>
+                    <a:p>
+                      <a:r>
+                        <a:rPr lang="en-GB" dirty="0"/>
+                        <a:t>Positive </a:t>
+                      </a:r>
+                    </a:p>
+                  </a:txBody>
+                  <a:tcPr/>
+                </a:tc>
+                <a:extLst>
+                  <a:ext uri="{0D108BD9-81ED-4DB2-BD59-A6C34878D82A}">
+                    <a16:rowId xmlns:a16="http://schemas.microsoft.com/office/drawing/2014/main" val="239494701"/>
                   </a:ext>
                 </a:extLst>
               </a:tr>
@@ -9274,7 +10521,7 @@
     </p:spTree>
     <p:extLst>
       <p:ext uri="{BB962C8B-B14F-4D97-AF65-F5344CB8AC3E}">
-        <p14:creationId xmlns:p14="http://schemas.microsoft.com/office/powerpoint/2010/main" val="3715291440"/>
+        <p14:creationId xmlns:p14="http://schemas.microsoft.com/office/powerpoint/2010/main" val="3570080063"/>
       </p:ext>
     </p:extLst>
   </p:cSld>
@@ -9284,291 +10531,7 @@
 </p:sld>
 </file>
 
-<file path=ppt/slides/slide13.xml><?xml version="1.0" encoding="utf-8"?>
-<p:sld xmlns:a="http://schemas.openxmlformats.org/drawingml/2006/main" xmlns:r="http://schemas.openxmlformats.org/officeDocument/2006/relationships" xmlns:p="http://schemas.openxmlformats.org/presentationml/2006/main">
-  <p:cSld>
-    <p:spTree>
-      <p:nvGrpSpPr>
-        <p:cNvPr id="1" name=""/>
-        <p:cNvGrpSpPr/>
-        <p:nvPr/>
-      </p:nvGrpSpPr>
-      <p:grpSpPr>
-        <a:xfrm>
-          <a:off x="0" y="0"/>
-          <a:ext cx="0" cy="0"/>
-          <a:chOff x="0" y="0"/>
-          <a:chExt cx="0" cy="0"/>
-        </a:xfrm>
-      </p:grpSpPr>
-      <p:sp>
-        <p:nvSpPr>
-          <p:cNvPr id="2" name="Title 1">
-            <a:extLst>
-              <a:ext uri="{FF2B5EF4-FFF2-40B4-BE49-F238E27FC236}">
-                <a16:creationId xmlns:a16="http://schemas.microsoft.com/office/drawing/2014/main" id="{FAC96B03-B3DD-484A-93A1-05C0579147C8}"/>
-              </a:ext>
-            </a:extLst>
-          </p:cNvPr>
-          <p:cNvSpPr>
-            <a:spLocks noGrp="1"/>
-          </p:cNvSpPr>
-          <p:nvPr>
-            <p:ph type="title"/>
-          </p:nvPr>
-        </p:nvSpPr>
-        <p:spPr/>
-        <p:txBody>
-          <a:bodyPr/>
-          <a:lstStyle/>
-          <a:p>
-            <a:r>
-              <a:rPr lang="en-GB" dirty="0"/>
-              <a:t>Conclusion</a:t>
-            </a:r>
-          </a:p>
-        </p:txBody>
-      </p:sp>
-      <p:sp>
-        <p:nvSpPr>
-          <p:cNvPr id="3" name="Content Placeholder 2">
-            <a:extLst>
-              <a:ext uri="{FF2B5EF4-FFF2-40B4-BE49-F238E27FC236}">
-                <a16:creationId xmlns:a16="http://schemas.microsoft.com/office/drawing/2014/main" id="{4C4FCC3D-8F68-46A8-8B5D-1BED22ABC1AC}"/>
-              </a:ext>
-            </a:extLst>
-          </p:cNvPr>
-          <p:cNvSpPr>
-            <a:spLocks noGrp="1"/>
-          </p:cNvSpPr>
-          <p:nvPr>
-            <p:ph idx="1"/>
-          </p:nvPr>
-        </p:nvSpPr>
-        <p:spPr/>
-        <p:txBody>
-          <a:bodyPr>
-            <a:normAutofit/>
-          </a:bodyPr>
-          <a:lstStyle/>
-          <a:p>
-            <a:pPr marL="36900" indent="0">
-              <a:buNone/>
-            </a:pPr>
-            <a:r>
-              <a:rPr lang="en-US" dirty="0"/>
-              <a:t>How can we improve productivity within Scotland and the UK overall? </a:t>
-            </a:r>
-          </a:p>
-          <a:p>
-            <a:pPr marL="36900" indent="0">
-              <a:buNone/>
-            </a:pPr>
-            <a:endParaRPr lang="en-US" dirty="0"/>
-          </a:p>
-          <a:p>
-            <a:pPr marL="36900" indent="0">
-              <a:buNone/>
-            </a:pPr>
-            <a:r>
-              <a:rPr lang="en-US" dirty="0"/>
-              <a:t>1. Which industries are lagging behind in terms of productivity? </a:t>
-            </a:r>
-          </a:p>
-          <a:p>
-            <a:r>
-              <a:rPr lang="en-US" dirty="0"/>
-              <a:t>Scotland’s </a:t>
-            </a:r>
-            <a:r>
-              <a:rPr lang="en-GB" dirty="0"/>
-              <a:t>Information and Communication Industry</a:t>
-            </a:r>
-            <a:endParaRPr lang="en-US" dirty="0"/>
-          </a:p>
-          <a:p>
-            <a:pPr marL="36900" indent="0">
-              <a:buNone/>
-            </a:pPr>
-            <a:endParaRPr lang="en-US" dirty="0"/>
-          </a:p>
-          <a:p>
-            <a:pPr marL="36900" indent="0">
-              <a:buNone/>
-            </a:pPr>
-            <a:r>
-              <a:rPr lang="en-US" dirty="0"/>
-              <a:t>2. What factors can be improved to increase employee and/or business productivity across UK regions? </a:t>
-            </a:r>
-          </a:p>
-          <a:p>
-            <a:r>
-              <a:rPr lang="en-US" dirty="0"/>
-              <a:t>Increase:  Minimum / average salary and </a:t>
-            </a:r>
-            <a:r>
-              <a:rPr lang="en-GB" dirty="0"/>
-              <a:t>Upper Secondary Education</a:t>
-            </a:r>
-            <a:endParaRPr lang="en-US" dirty="0"/>
-          </a:p>
-          <a:p>
-            <a:endParaRPr lang="en-GB" dirty="0"/>
-          </a:p>
-        </p:txBody>
-      </p:sp>
-    </p:spTree>
-    <p:extLst>
-      <p:ext uri="{BB962C8B-B14F-4D97-AF65-F5344CB8AC3E}">
-        <p14:creationId xmlns:p14="http://schemas.microsoft.com/office/powerpoint/2010/main" val="4197613280"/>
-      </p:ext>
-    </p:extLst>
-  </p:cSld>
-  <p:clrMapOvr>
-    <a:masterClrMapping/>
-  </p:clrMapOvr>
-</p:sld>
-</file>
-
-<file path=ppt/slides/slide14.xml><?xml version="1.0" encoding="utf-8"?>
-<p:sld xmlns:a="http://schemas.openxmlformats.org/drawingml/2006/main" xmlns:r="http://schemas.openxmlformats.org/officeDocument/2006/relationships" xmlns:p="http://schemas.openxmlformats.org/presentationml/2006/main">
-  <p:cSld>
-    <p:spTree>
-      <p:nvGrpSpPr>
-        <p:cNvPr id="1" name=""/>
-        <p:cNvGrpSpPr/>
-        <p:nvPr/>
-      </p:nvGrpSpPr>
-      <p:grpSpPr>
-        <a:xfrm>
-          <a:off x="0" y="0"/>
-          <a:ext cx="0" cy="0"/>
-          <a:chOff x="0" y="0"/>
-          <a:chExt cx="0" cy="0"/>
-        </a:xfrm>
-      </p:grpSpPr>
-      <p:sp>
-        <p:nvSpPr>
-          <p:cNvPr id="2" name="Title 1">
-            <a:extLst>
-              <a:ext uri="{FF2B5EF4-FFF2-40B4-BE49-F238E27FC236}">
-                <a16:creationId xmlns:a16="http://schemas.microsoft.com/office/drawing/2014/main" id="{7878828A-128D-4E23-9F4C-51348C25F9F2}"/>
-              </a:ext>
-            </a:extLst>
-          </p:cNvPr>
-          <p:cNvSpPr>
-            <a:spLocks noGrp="1"/>
-          </p:cNvSpPr>
-          <p:nvPr>
-            <p:ph type="ctrTitle"/>
-          </p:nvPr>
-        </p:nvSpPr>
-        <p:spPr/>
-        <p:txBody>
-          <a:bodyPr/>
-          <a:lstStyle/>
-          <a:p>
-            <a:r>
-              <a:rPr lang="en-GB" dirty="0"/>
-              <a:t>The End</a:t>
-            </a:r>
-          </a:p>
-        </p:txBody>
-      </p:sp>
-    </p:spTree>
-    <p:extLst>
-      <p:ext uri="{BB962C8B-B14F-4D97-AF65-F5344CB8AC3E}">
-        <p14:creationId xmlns:p14="http://schemas.microsoft.com/office/powerpoint/2010/main" val="4061790142"/>
-      </p:ext>
-    </p:extLst>
-  </p:cSld>
-  <p:clrMapOvr>
-    <a:masterClrMapping/>
-  </p:clrMapOvr>
-</p:sld>
-</file>
-
-<file path=ppt/slides/slide15.xml><?xml version="1.0" encoding="utf-8"?>
-<p:sld xmlns:a="http://schemas.openxmlformats.org/drawingml/2006/main" xmlns:r="http://schemas.openxmlformats.org/officeDocument/2006/relationships" xmlns:p="http://schemas.openxmlformats.org/presentationml/2006/main">
-  <p:cSld>
-    <p:spTree>
-      <p:nvGrpSpPr>
-        <p:cNvPr id="1" name=""/>
-        <p:cNvGrpSpPr/>
-        <p:nvPr/>
-      </p:nvGrpSpPr>
-      <p:grpSpPr>
-        <a:xfrm>
-          <a:off x="0" y="0"/>
-          <a:ext cx="0" cy="0"/>
-          <a:chOff x="0" y="0"/>
-          <a:chExt cx="0" cy="0"/>
-        </a:xfrm>
-      </p:grpSpPr>
-      <p:sp>
-        <p:nvSpPr>
-          <p:cNvPr id="2" name="Title 1">
-            <a:extLst>
-              <a:ext uri="{FF2B5EF4-FFF2-40B4-BE49-F238E27FC236}">
-                <a16:creationId xmlns:a16="http://schemas.microsoft.com/office/drawing/2014/main" id="{5D8D0FE5-271D-4BD6-B54A-C1C4F3BD24CD}"/>
-              </a:ext>
-            </a:extLst>
-          </p:cNvPr>
-          <p:cNvSpPr>
-            <a:spLocks noGrp="1"/>
-          </p:cNvSpPr>
-          <p:nvPr>
-            <p:ph type="title"/>
-          </p:nvPr>
-        </p:nvSpPr>
-        <p:spPr/>
-        <p:txBody>
-          <a:bodyPr/>
-          <a:lstStyle/>
-          <a:p>
-            <a:endParaRPr lang="en-GB"/>
-          </a:p>
-        </p:txBody>
-      </p:sp>
-      <p:sp>
-        <p:nvSpPr>
-          <p:cNvPr id="3" name="Content Placeholder 2">
-            <a:extLst>
-              <a:ext uri="{FF2B5EF4-FFF2-40B4-BE49-F238E27FC236}">
-                <a16:creationId xmlns:a16="http://schemas.microsoft.com/office/drawing/2014/main" id="{65DDAF19-A9D1-4497-94C9-CE74A3107CB1}"/>
-              </a:ext>
-            </a:extLst>
-          </p:cNvPr>
-          <p:cNvSpPr>
-            <a:spLocks noGrp="1"/>
-          </p:cNvSpPr>
-          <p:nvPr>
-            <p:ph idx="1"/>
-          </p:nvPr>
-        </p:nvSpPr>
-        <p:spPr/>
-        <p:txBody>
-          <a:bodyPr/>
-          <a:lstStyle/>
-          <a:p>
-            <a:endParaRPr lang="en-GB"/>
-          </a:p>
-        </p:txBody>
-      </p:sp>
-    </p:spTree>
-    <p:extLst>
-      <p:ext uri="{BB962C8B-B14F-4D97-AF65-F5344CB8AC3E}">
-        <p14:creationId xmlns:p14="http://schemas.microsoft.com/office/powerpoint/2010/main" val="1975672113"/>
-      </p:ext>
-    </p:extLst>
-  </p:cSld>
-  <p:clrMapOvr>
-    <a:masterClrMapping/>
-  </p:clrMapOvr>
-</p:sld>
-</file>
-
-<file path=ppt/slides/slide16.xml><?xml version="1.0" encoding="utf-8"?>
+<file path=ppt/slides/slide18.xml><?xml version="1.0" encoding="utf-8"?>
 <p:sld xmlns:a="http://schemas.openxmlformats.org/drawingml/2006/main" xmlns:r="http://schemas.openxmlformats.org/officeDocument/2006/relationships" xmlns:p="http://schemas.openxmlformats.org/presentationml/2006/main">
   <p:cSld>
     <p:spTree>
@@ -10316,8 +11279,8 @@
           </a:p>
         </p:txBody>
       </p:sp>
-      <mc:AlternateContent xmlns:mc="http://schemas.openxmlformats.org/markup-compatibility/2006">
-        <mc:Choice xmlns:a14="http://schemas.microsoft.com/office/drawing/2010/main" Requires="a14">
+      <mc:AlternateContent xmlns:mc="http://schemas.openxmlformats.org/markup-compatibility/2006" xmlns:a14="http://schemas.microsoft.com/office/drawing/2010/main">
+        <mc:Choice Requires="a14">
           <p:sp>
             <p:nvSpPr>
               <p:cNvPr id="3" name="Content Placeholder 2">
@@ -10424,7 +11387,7 @@
             </p:txBody>
           </p:sp>
         </mc:Choice>
-        <mc:Fallback>
+        <mc:Fallback xmlns="">
           <p:sp>
             <p:nvSpPr>
               <p:cNvPr id="3" name="Content Placeholder 2">
@@ -10468,8 +11431,8 @@
           </p:sp>
         </mc:Fallback>
       </mc:AlternateContent>
-      <mc:AlternateContent xmlns:mc="http://schemas.openxmlformats.org/markup-compatibility/2006">
-        <mc:Choice xmlns:a14="http://schemas.microsoft.com/office/drawing/2010/main" Requires="a14">
+      <mc:AlternateContent xmlns:mc="http://schemas.openxmlformats.org/markup-compatibility/2006" xmlns:a14="http://schemas.microsoft.com/office/drawing/2010/main">
+        <mc:Choice Requires="a14">
           <p:sp>
             <p:nvSpPr>
               <p:cNvPr id="4" name="Content Placeholder 2">
@@ -10969,7 +11932,7 @@
             </p:txBody>
           </p:sp>
         </mc:Choice>
-        <mc:Fallback>
+        <mc:Fallback xmlns="">
           <p:sp>
             <p:nvSpPr>
               <p:cNvPr id="4" name="Content Placeholder 2">
@@ -11472,7 +12435,7 @@
           <p:nvPr>
             <p:extLst>
               <p:ext uri="{D42A27DB-BD31-4B8C-83A1-F6EECF244321}">
-                <p14:modId xmlns:p14="http://schemas.microsoft.com/office/powerpoint/2010/main" val="288638084"/>
+                <p14:modId xmlns:p14="http://schemas.microsoft.com/office/powerpoint/2010/main" val="47386485"/>
               </p:ext>
             </p:extLst>
           </p:nvPr>
@@ -11525,7 +12488,7 @@
                     <a:p>
                       <a:r>
                         <a:rPr lang="en-GB" sz="1800" dirty="0"/>
-                        <a:t>Category Name</a:t>
+                        <a:t>Group Name</a:t>
                       </a:r>
                     </a:p>
                   </a:txBody>
@@ -11870,7 +12833,7 @@
                           <a:effectLst/>
                           <a:latin typeface="Calibri" panose="020F0502020204030204" pitchFamily="34" charset="0"/>
                         </a:rPr>
-                        <a:t>Academic</a:t>
+                        <a:t>Academic Research</a:t>
                       </a:r>
                     </a:p>
                   </a:txBody>
@@ -11888,10 +12851,10 @@
       </p:graphicFrame>
       <p:pic>
         <p:nvPicPr>
-          <p:cNvPr id="13" name="Picture 12">
+          <p:cNvPr id="9" name="Picture 8">
             <a:extLst>
               <a:ext uri="{FF2B5EF4-FFF2-40B4-BE49-F238E27FC236}">
-                <a16:creationId xmlns:a16="http://schemas.microsoft.com/office/drawing/2014/main" id="{AA4B5F57-A670-42FD-9598-6499DD3D88B0}"/>
+                <a16:creationId xmlns:a16="http://schemas.microsoft.com/office/drawing/2014/main" id="{ABC5E6CB-E8F8-491B-825C-F9A755B73853}"/>
               </a:ext>
             </a:extLst>
           </p:cNvPr>
@@ -11908,8 +12871,8 @@
         </p:blipFill>
         <p:spPr>
           <a:xfrm>
-            <a:off x="264664" y="1563796"/>
-            <a:ext cx="8254487" cy="5077535"/>
+            <a:off x="417064" y="1563797"/>
+            <a:ext cx="8268592" cy="5077535"/>
           </a:xfrm>
           <a:prstGeom prst="rect">
             <a:avLst/>
@@ -11919,7 +12882,7 @@
     </p:spTree>
     <p:extLst>
       <p:ext uri="{BB962C8B-B14F-4D97-AF65-F5344CB8AC3E}">
-        <p14:creationId xmlns:p14="http://schemas.microsoft.com/office/powerpoint/2010/main" val="1765000925"/>
+        <p14:creationId xmlns:p14="http://schemas.microsoft.com/office/powerpoint/2010/main" val="3361621959"/>
       </p:ext>
     </p:extLst>
   </p:cSld>
@@ -11964,8 +12927,8 @@
         </p:nvSpPr>
         <p:spPr>
           <a:xfrm>
-            <a:off x="219228" y="209943"/>
-            <a:ext cx="11517254" cy="970450"/>
+            <a:off x="264664" y="216668"/>
+            <a:ext cx="11471817" cy="970450"/>
           </a:xfrm>
         </p:spPr>
         <p:txBody>
@@ -11974,7 +12937,7 @@
           <a:p>
             <a:r>
               <a:rPr lang="en-GB" dirty="0"/>
-              <a:t>Productivity Growth Per Industry Summary</a:t>
+              <a:t>Productivity Growth Per Industry </a:t>
             </a:r>
           </a:p>
         </p:txBody>
@@ -11991,17 +12954,11 @@
           <p:cNvGraphicFramePr>
             <a:graphicFrameLocks noGrp="1"/>
           </p:cNvGraphicFramePr>
-          <p:nvPr>
-            <p:extLst>
-              <p:ext uri="{D42A27DB-BD31-4B8C-83A1-F6EECF244321}">
-                <p14:modId xmlns:p14="http://schemas.microsoft.com/office/powerpoint/2010/main" val="3769598100"/>
-              </p:ext>
-            </p:extLst>
-          </p:nvPr>
+          <p:nvPr/>
         </p:nvGraphicFramePr>
         <p:xfrm>
-          <a:off x="8827478" y="3050553"/>
-          <a:ext cx="2909004" cy="2127000"/>
+          <a:off x="8827477" y="1563798"/>
+          <a:ext cx="2909004" cy="5077534"/>
         </p:xfrm>
         <a:graphic>
           <a:graphicData uri="http://schemas.openxmlformats.org/drawingml/2006/table">
@@ -12010,14 +12967,14 @@
                 <a:tableStyleId>{5C22544A-7EE6-4342-B048-85BDC9FD1C3A}</a:tableStyleId>
               </a:tblPr>
               <a:tblGrid>
-                <a:gridCol w="761999">
+                <a:gridCol w="914400">
                   <a:extLst>
                     <a:ext uri="{9D8B030D-6E8A-4147-A177-3AD203B41FA5}">
                       <a16:colId xmlns:a16="http://schemas.microsoft.com/office/drawing/2014/main" val="688208302"/>
                     </a:ext>
                   </a:extLst>
                 </a:gridCol>
-                <a:gridCol w="2147005">
+                <a:gridCol w="1994604">
                   <a:extLst>
                     <a:ext uri="{9D8B030D-6E8A-4147-A177-3AD203B41FA5}">
                       <a16:colId xmlns:a16="http://schemas.microsoft.com/office/drawing/2014/main" val="3111961199"/>
@@ -12025,7 +12982,7 @@
                   </a:extLst>
                 </a:gridCol>
               </a:tblGrid>
-              <a:tr h="482977">
+              <a:tr h="613599">
                 <a:tc>
                   <a:txBody>
                     <a:bodyPr/>
@@ -12047,7 +13004,7 @@
                     <a:p>
                       <a:r>
                         <a:rPr lang="en-GB" sz="1800" dirty="0"/>
-                        <a:t>Category Name</a:t>
+                        <a:t>Group Name</a:t>
                       </a:r>
                     </a:p>
                   </a:txBody>
@@ -12059,7 +13016,7 @@
                   </a:ext>
                 </a:extLst>
               </a:tr>
-              <a:tr h="402154">
+              <a:tr h="510918">
                 <a:tc>
                   <a:txBody>
                     <a:bodyPr/>
@@ -12067,9 +13024,9 @@
                     <a:p>
                       <a:pPr algn="ctr" fontAlgn="b"/>
                       <a:r>
-                        <a:rPr lang="en-GB" sz="1800" b="1" i="0" u="none" strike="noStrike" dirty="0">
+                        <a:rPr lang="en-GB" sz="1800" b="0" i="0" u="none" strike="noStrike" dirty="0">
                           <a:solidFill>
-                            <a:srgbClr val="FC7C73"/>
+                            <a:srgbClr val="000000"/>
                           </a:solidFill>
                           <a:effectLst/>
                           <a:latin typeface="Calibri" panose="020F0502020204030204" pitchFamily="34" charset="0"/>
@@ -12106,7 +13063,7 @@
                   </a:ext>
                 </a:extLst>
               </a:tr>
-              <a:tr h="547426">
+              <a:tr h="510918">
                 <a:tc>
                   <a:txBody>
                     <a:bodyPr/>
@@ -12114,9 +13071,9 @@
                     <a:p>
                       <a:pPr algn="ctr" fontAlgn="b"/>
                       <a:r>
-                        <a:rPr lang="en-GB" sz="1800" b="1" i="0" u="none" strike="noStrike" dirty="0">
+                        <a:rPr lang="en-GB" sz="1800" b="0" i="0" u="none" strike="noStrike" dirty="0">
                           <a:solidFill>
-                            <a:srgbClr val="00B746"/>
+                            <a:srgbClr val="000000"/>
                           </a:solidFill>
                           <a:effectLst/>
                           <a:latin typeface="Calibri" panose="020F0502020204030204" pitchFamily="34" charset="0"/>
@@ -12153,7 +13110,7 @@
                   </a:ext>
                 </a:extLst>
               </a:tr>
-              <a:tr h="694443">
+              <a:tr h="510918">
                 <a:tc>
                   <a:txBody>
                     <a:bodyPr/>
@@ -12161,9 +13118,103 @@
                     <a:p>
                       <a:pPr algn="ctr" fontAlgn="b"/>
                       <a:r>
-                        <a:rPr lang="en-GB" sz="1800" b="1" i="0" u="none" strike="noStrike" dirty="0">
+                        <a:rPr lang="en-GB" sz="1800" b="0" i="0" u="none" strike="noStrike" dirty="0">
                           <a:solidFill>
-                            <a:srgbClr val="529DFB"/>
+                            <a:srgbClr val="000000"/>
+                          </a:solidFill>
+                          <a:effectLst/>
+                          <a:latin typeface="Calibri" panose="020F0502020204030204" pitchFamily="34" charset="0"/>
+                        </a:rPr>
+                        <a:t>F </a:t>
+                      </a:r>
+                    </a:p>
+                  </a:txBody>
+                  <a:tcPr marL="9525" marR="9525" marT="9525" marB="0" anchor="b"/>
+                </a:tc>
+                <a:tc>
+                  <a:txBody>
+                    <a:bodyPr/>
+                    <a:lstStyle/>
+                    <a:p>
+                      <a:pPr algn="l" fontAlgn="b"/>
+                      <a:r>
+                        <a:rPr lang="en-GB" sz="1800" b="0" i="0" u="none" strike="noStrike" dirty="0">
+                          <a:solidFill>
+                            <a:srgbClr val="000000"/>
+                          </a:solidFill>
+                          <a:effectLst/>
+                          <a:latin typeface="Calibri" panose="020F0502020204030204" pitchFamily="34" charset="0"/>
+                        </a:rPr>
+                        <a:t>Civil Construction</a:t>
+                      </a:r>
+                    </a:p>
+                  </a:txBody>
+                  <a:tcPr marL="9525" marR="9525" marT="9525" marB="0" anchor="b"/>
+                </a:tc>
+                <a:extLst>
+                  <a:ext uri="{0D108BD9-81ED-4DB2-BD59-A6C34878D82A}">
+                    <a16:rowId xmlns:a16="http://schemas.microsoft.com/office/drawing/2014/main" val="237636167"/>
+                  </a:ext>
+                </a:extLst>
+              </a:tr>
+              <a:tr h="769003">
+                <a:tc>
+                  <a:txBody>
+                    <a:bodyPr/>
+                    <a:lstStyle/>
+                    <a:p>
+                      <a:pPr algn="ctr" fontAlgn="b"/>
+                      <a:r>
+                        <a:rPr lang="en-GB" sz="1800" b="0" i="0" u="none" strike="noStrike">
+                          <a:solidFill>
+                            <a:srgbClr val="000000"/>
+                          </a:solidFill>
+                          <a:effectLst/>
+                          <a:latin typeface="Calibri" panose="020F0502020204030204" pitchFamily="34" charset="0"/>
+                        </a:rPr>
+                        <a:t>G-I</a:t>
+                      </a:r>
+                    </a:p>
+                  </a:txBody>
+                  <a:tcPr marL="9525" marR="9525" marT="9525" marB="0" anchor="b"/>
+                </a:tc>
+                <a:tc>
+                  <a:txBody>
+                    <a:bodyPr/>
+                    <a:lstStyle/>
+                    <a:p>
+                      <a:pPr algn="l" fontAlgn="b"/>
+                      <a:r>
+                        <a:rPr lang="en-US" sz="1800" b="0" i="0" u="none" strike="noStrike" dirty="0">
+                          <a:solidFill>
+                            <a:srgbClr val="000000"/>
+                          </a:solidFill>
+                          <a:effectLst/>
+                          <a:latin typeface="Calibri" panose="020F0502020204030204" pitchFamily="34" charset="0"/>
+                        </a:rPr>
+                        <a:t>Tertiary product </a:t>
+                      </a:r>
+                    </a:p>
+                  </a:txBody>
+                  <a:tcPr marL="9525" marR="9525" marT="9525" marB="0" anchor="b"/>
+                </a:tc>
+                <a:extLst>
+                  <a:ext uri="{0D108BD9-81ED-4DB2-BD59-A6C34878D82A}">
+                    <a16:rowId xmlns:a16="http://schemas.microsoft.com/office/drawing/2014/main" val="2227706421"/>
+                  </a:ext>
+                </a:extLst>
+              </a:tr>
+              <a:tr h="882257">
+                <a:tc>
+                  <a:txBody>
+                    <a:bodyPr/>
+                    <a:lstStyle/>
+                    <a:p>
+                      <a:pPr algn="ctr" fontAlgn="b"/>
+                      <a:r>
+                        <a:rPr lang="en-GB" sz="1800" b="0" i="0" u="none" strike="noStrike">
+                          <a:solidFill>
+                            <a:srgbClr val="000000"/>
                           </a:solidFill>
                           <a:effectLst/>
                           <a:latin typeface="Calibri" panose="020F0502020204030204" pitchFamily="34" charset="0"/>
@@ -12216,16 +13267,110 @@
                   </a:ext>
                 </a:extLst>
               </a:tr>
+              <a:tr h="510918">
+                <a:tc>
+                  <a:txBody>
+                    <a:bodyPr/>
+                    <a:lstStyle/>
+                    <a:p>
+                      <a:pPr algn="ctr" fontAlgn="b"/>
+                      <a:r>
+                        <a:rPr lang="en-GB" sz="1800" b="0" i="0" u="none" strike="noStrike">
+                          <a:solidFill>
+                            <a:srgbClr val="000000"/>
+                          </a:solidFill>
+                          <a:effectLst/>
+                          <a:latin typeface="Calibri" panose="020F0502020204030204" pitchFamily="34" charset="0"/>
+                        </a:rPr>
+                        <a:t>K</a:t>
+                      </a:r>
+                    </a:p>
+                  </a:txBody>
+                  <a:tcPr marL="9525" marR="9525" marT="9525" marB="0" anchor="b"/>
+                </a:tc>
+                <a:tc>
+                  <a:txBody>
+                    <a:bodyPr/>
+                    <a:lstStyle/>
+                    <a:p>
+                      <a:pPr algn="l" fontAlgn="b"/>
+                      <a:r>
+                        <a:rPr lang="en-GB" sz="1800" b="0" i="0" u="none" strike="noStrike" dirty="0">
+                          <a:solidFill>
+                            <a:srgbClr val="000000"/>
+                          </a:solidFill>
+                          <a:effectLst/>
+                          <a:latin typeface="Calibri" panose="020F0502020204030204" pitchFamily="34" charset="0"/>
+                        </a:rPr>
+                        <a:t>Finance</a:t>
+                      </a:r>
+                    </a:p>
+                  </a:txBody>
+                  <a:tcPr marL="9525" marR="9525" marT="9525" marB="0" anchor="b"/>
+                </a:tc>
+                <a:extLst>
+                  <a:ext uri="{0D108BD9-81ED-4DB2-BD59-A6C34878D82A}">
+                    <a16:rowId xmlns:a16="http://schemas.microsoft.com/office/drawing/2014/main" val="1278296278"/>
+                  </a:ext>
+                </a:extLst>
+              </a:tr>
+              <a:tr h="769003">
+                <a:tc>
+                  <a:txBody>
+                    <a:bodyPr/>
+                    <a:lstStyle/>
+                    <a:p>
+                      <a:pPr algn="ctr" fontAlgn="b"/>
+                      <a:r>
+                        <a:rPr lang="en-GB" sz="1800" b="0" i="0" u="none" strike="noStrike" dirty="0">
+                          <a:solidFill>
+                            <a:srgbClr val="000000"/>
+                          </a:solidFill>
+                          <a:effectLst/>
+                          <a:latin typeface="Calibri" panose="020F0502020204030204" pitchFamily="34" charset="0"/>
+                        </a:rPr>
+                        <a:t>M-N</a:t>
+                      </a:r>
+                    </a:p>
+                  </a:txBody>
+                  <a:tcPr marL="9525" marR="9525" marT="9525" marB="0" anchor="b"/>
+                </a:tc>
+                <a:tc>
+                  <a:txBody>
+                    <a:bodyPr/>
+                    <a:lstStyle/>
+                    <a:p>
+                      <a:pPr algn="l" fontAlgn="b"/>
+                      <a:r>
+                        <a:rPr lang="en-US" sz="1800" b="0" i="0" u="none" strike="noStrike" dirty="0">
+                          <a:solidFill>
+                            <a:srgbClr val="000000"/>
+                          </a:solidFill>
+                          <a:effectLst/>
+                          <a:latin typeface="Calibri" panose="020F0502020204030204" pitchFamily="34" charset="0"/>
+                        </a:rPr>
+                        <a:t>Academic Research</a:t>
+                      </a:r>
+                    </a:p>
+                  </a:txBody>
+                  <a:tcPr marL="9525" marR="9525" marT="9525" marB="0" anchor="b"/>
+                </a:tc>
+                <a:extLst>
+                  <a:ext uri="{0D108BD9-81ED-4DB2-BD59-A6C34878D82A}">
+                    <a16:rowId xmlns:a16="http://schemas.microsoft.com/office/drawing/2014/main" val="2178835595"/>
+                  </a:ext>
+                </a:extLst>
+              </a:tr>
             </a:tbl>
           </a:graphicData>
         </a:graphic>
       </p:graphicFrame>
       <p:pic>
         <p:nvPicPr>
-          <p:cNvPr id="17" name="Picture 16">
+          <p:cNvPr id="5" name="Picture 4">
             <a:extLst>
               <a:ext uri="{FF2B5EF4-FFF2-40B4-BE49-F238E27FC236}">
-                <a16:creationId xmlns:a16="http://schemas.microsoft.com/office/drawing/2014/main" id="{407BDBD5-B584-4CA8-BA71-B527F4689BD6}"/>
+                <a16:creationId xmlns:a16="http://schemas.microsoft.com/office/drawing/2014/main" id="{59C9DA80-E8E4-496A-B1A4-E68644AFFC55}"/>
               </a:ext>
             </a:extLst>
           </p:cNvPr>
@@ -12242,8 +13387,8 @@
         </p:blipFill>
         <p:spPr>
           <a:xfrm>
-            <a:off x="219228" y="1522891"/>
-            <a:ext cx="8440328" cy="5182323"/>
+            <a:off x="455519" y="1563797"/>
+            <a:ext cx="8214490" cy="5077535"/>
           </a:xfrm>
           <a:prstGeom prst="rect">
             <a:avLst/>
@@ -12253,7 +13398,7 @@
     </p:spTree>
     <p:extLst>
       <p:ext uri="{BB962C8B-B14F-4D97-AF65-F5344CB8AC3E}">
-        <p14:creationId xmlns:p14="http://schemas.microsoft.com/office/powerpoint/2010/main" val="3249374810"/>
+        <p14:creationId xmlns:p14="http://schemas.microsoft.com/office/powerpoint/2010/main" val="2273002747"/>
       </p:ext>
     </p:extLst>
   </p:cSld>

--- a/deloitte_productivity_project/presentation/New Microsoft PowerPoint Presentation.pptx
+++ b/deloitte_productivity_project/presentation/New Microsoft PowerPoint Presentation.pptx
@@ -214,7 +214,7 @@
           <a:p>
             <a:fld id="{CAC71774-D6B3-480A-938F-5E043FF98E02}" type="datetimeFigureOut">
               <a:rPr lang="en-GB" smtClean="0"/>
-              <a:t>15/03/2022</a:t>
+              <a:t>16/03/2022</a:t>
             </a:fld>
             <a:endParaRPr lang="en-GB"/>
           </a:p>
@@ -610,36 +610,26 @@
           <a:bodyPr/>
           <a:lstStyle/>
           <a:p>
+            <a:pPr marL="0" marR="0" lvl="0" indent="0" algn="l" defTabSz="914400" rtl="0" eaLnBrk="1" fontAlgn="auto" latinLnBrk="0" hangingPunct="1">
+              <a:lnSpc>
+                <a:spcPct val="100000"/>
+              </a:lnSpc>
+              <a:spcBef>
+                <a:spcPts val="0"/>
+              </a:spcBef>
+              <a:spcAft>
+                <a:spcPts val="0"/>
+              </a:spcAft>
+              <a:buClrTx/>
+              <a:buSzTx/>
+              <a:buFontTx/>
+              <a:buNone/>
+              <a:tabLst/>
+              <a:defRPr/>
+            </a:pPr>
             <a:r>
               <a:rPr lang="en-GB" dirty="0"/>
-              <a:t>On average, with a higher inflation rate are significantly lower productivity.</a:t>
-            </a:r>
-          </a:p>
-          <a:p>
-            <a:endParaRPr lang="en-GB" dirty="0"/>
-          </a:p>
-          <a:p>
-            <a:r>
-              <a:rPr lang="en-GB" dirty="0"/>
-              <a:t>With a higher worked hours, including over time, resulted a significantly lower productivity. Deem as an inefficient way to produce output.</a:t>
-            </a:r>
-          </a:p>
-          <a:p>
-            <a:endParaRPr lang="en-GB" dirty="0"/>
-          </a:p>
-          <a:p>
-            <a:r>
-              <a:rPr lang="en-GB" dirty="0"/>
-              <a:t>With a higher minimum or average salary, the productivity is significantly higher, to boost the workers’ morale.</a:t>
-            </a:r>
-          </a:p>
-          <a:p>
-            <a:endParaRPr lang="en-GB" dirty="0"/>
-          </a:p>
-          <a:p>
-            <a:r>
-              <a:rPr lang="en-GB" dirty="0"/>
-              <a:t>For the 3 category of Education levels, only an increase in proportion of upper secondary education results in a significantly higher productivity, the remained 2 levels are remained insignificant on productivity.</a:t>
+              <a:t>The second part of the analysis is aimed to find out which economic factors have influence on productivity, through conducting a series of hypothesis tests.</a:t>
             </a:r>
           </a:p>
         </p:txBody>
@@ -661,7 +651,7 @@
           <a:p>
             <a:fld id="{6FA1FA6D-F318-4210-A104-FE957E7091B7}" type="slidenum">
               <a:rPr lang="en-GB" smtClean="0"/>
-              <a:t>13</a:t>
+              <a:t>11</a:t>
             </a:fld>
             <a:endParaRPr lang="en-GB"/>
           </a:p>
@@ -670,7 +660,7 @@
     </p:spTree>
     <p:extLst>
       <p:ext uri="{BB962C8B-B14F-4D97-AF65-F5344CB8AC3E}">
-        <p14:creationId xmlns:p14="http://schemas.microsoft.com/office/powerpoint/2010/main" val="2263617911"/>
+        <p14:creationId xmlns:p14="http://schemas.microsoft.com/office/powerpoint/2010/main" val="3654684062"/>
       </p:ext>
     </p:extLst>
   </p:cSld>
@@ -724,50 +714,56 @@
           <a:bodyPr/>
           <a:lstStyle/>
           <a:p>
+            <a:endParaRPr lang="en-GB" dirty="0"/>
+          </a:p>
+          <a:p>
             <a:r>
               <a:rPr lang="en-GB" dirty="0"/>
-              <a:t>After the great recession in 2008,  the productivity growth in the UK has been slowed down and led to a lower productivity when compared with G7 countries.</a:t>
-            </a:r>
+              <a:t>The economic factors are listed on the right, included inflation rate, annual hours worked, average / minimum salary along with 3 levels of education proportion per population</a:t>
+            </a:r>
+          </a:p>
+          <a:p>
+            <a:endParaRPr lang="en-GB" dirty="0"/>
           </a:p>
           <a:p>
             <a:r>
               <a:rPr lang="en-GB" dirty="0"/>
-              <a:t>In the industry productivity analysis.  We have found that Scottish’s engineering industry performed the best among the others, with a strong growth rate.</a:t>
-            </a:r>
+              <a:t>We have adapted 2 samples independent test, 5% confidence level.</a:t>
+            </a:r>
+          </a:p>
+          <a:p>
+            <a:endParaRPr lang="en-GB" dirty="0"/>
           </a:p>
           <a:p>
             <a:r>
               <a:rPr lang="en-GB" dirty="0"/>
-              <a:t>Conversely, the Scottish Information and Communication Industry showed evidence of declining in growth rate.</a:t>
+              <a:t>We will be using Organisation for Economic Cooperation and Development countries (OECD) countries for the tests and UK as a reference index.</a:t>
             </a:r>
           </a:p>
           <a:p>
             <a:endParaRPr lang="en-GB" dirty="0"/>
           </a:p>
           <a:p>
+            <a:pPr marL="0" marR="0" lvl="0" indent="0" algn="l" defTabSz="914400" rtl="0" eaLnBrk="1" fontAlgn="auto" latinLnBrk="0" hangingPunct="1">
+              <a:lnSpc>
+                <a:spcPct val="100000"/>
+              </a:lnSpc>
+              <a:spcBef>
+                <a:spcPts val="0"/>
+              </a:spcBef>
+              <a:spcAft>
+                <a:spcPts val="0"/>
+              </a:spcAft>
+              <a:buClrTx/>
+              <a:buSzTx/>
+              <a:buFontTx/>
+              <a:buNone/>
+              <a:tabLst/>
+              <a:defRPr/>
+            </a:pPr>
             <a:r>
               <a:rPr lang="en-GB" dirty="0"/>
-              <a:t>A series of hypothesis tests are conducted with different economics factors.</a:t>
-            </a:r>
-          </a:p>
-          <a:p>
-            <a:r>
-              <a:rPr lang="en-GB" dirty="0"/>
-              <a:t>On average, higher min/</a:t>
-            </a:r>
-            <a:r>
-              <a:rPr lang="en-GB" dirty="0" err="1"/>
-              <a:t>avg</a:t>
-            </a:r>
-            <a:r>
-              <a:rPr lang="en-GB" dirty="0"/>
-              <a:t> wage and higher secondary education will result in significantly higher productivity.</a:t>
-            </a:r>
-          </a:p>
-          <a:p>
-            <a:r>
-              <a:rPr lang="en-GB" dirty="0"/>
-              <a:t>With higher worked hours and inflation rate will result in a significantly lower productivity.</a:t>
+              <a:t>(i.e. On average, does a country with a higher salary than the UK, have a significant difference in productivity.)</a:t>
             </a:r>
           </a:p>
         </p:txBody>
@@ -789,7 +785,7 @@
           <a:p>
             <a:fld id="{6FA1FA6D-F318-4210-A104-FE957E7091B7}" type="slidenum">
               <a:rPr lang="en-GB" smtClean="0"/>
-              <a:t>14</a:t>
+              <a:t>12</a:t>
             </a:fld>
             <a:endParaRPr lang="en-GB"/>
           </a:p>
@@ -798,7 +794,7 @@
     </p:spTree>
     <p:extLst>
       <p:ext uri="{BB962C8B-B14F-4D97-AF65-F5344CB8AC3E}">
-        <p14:creationId xmlns:p14="http://schemas.microsoft.com/office/powerpoint/2010/main" val="1612364656"/>
+        <p14:creationId xmlns:p14="http://schemas.microsoft.com/office/powerpoint/2010/main" val="1031039753"/>
       </p:ext>
     </p:extLst>
   </p:cSld>
@@ -852,6 +848,288 @@
           <a:bodyPr/>
           <a:lstStyle/>
           <a:p>
+            <a:r>
+              <a:rPr lang="en-GB" dirty="0"/>
+              <a:t>On average, productivity is significantly lower with a higher inflation rate.</a:t>
+            </a:r>
+          </a:p>
+          <a:p>
+            <a:endParaRPr lang="en-GB" dirty="0"/>
+          </a:p>
+          <a:p>
+            <a:pPr marL="0" marR="0" lvl="0" indent="0" algn="l" defTabSz="914400" rtl="0" eaLnBrk="1" fontAlgn="auto" latinLnBrk="0" hangingPunct="1">
+              <a:lnSpc>
+                <a:spcPct val="100000"/>
+              </a:lnSpc>
+              <a:spcBef>
+                <a:spcPts val="0"/>
+              </a:spcBef>
+              <a:spcAft>
+                <a:spcPts val="0"/>
+              </a:spcAft>
+              <a:buClrTx/>
+              <a:buSzTx/>
+              <a:buFontTx/>
+              <a:buNone/>
+              <a:tabLst/>
+              <a:defRPr/>
+            </a:pPr>
+            <a:r>
+              <a:rPr lang="en-GB" dirty="0"/>
+              <a:t>With a higher worked hours, including over time, deem as an inefficient way to produce output, resulted a significantly lower productivity. </a:t>
+            </a:r>
+          </a:p>
+          <a:p>
+            <a:pPr marL="0" marR="0" lvl="0" indent="0" algn="l" defTabSz="914400" rtl="0" eaLnBrk="1" fontAlgn="auto" latinLnBrk="0" hangingPunct="1">
+              <a:lnSpc>
+                <a:spcPct val="100000"/>
+              </a:lnSpc>
+              <a:spcBef>
+                <a:spcPts val="0"/>
+              </a:spcBef>
+              <a:spcAft>
+                <a:spcPts val="0"/>
+              </a:spcAft>
+              <a:buClrTx/>
+              <a:buSzTx/>
+              <a:buFontTx/>
+              <a:buNone/>
+              <a:tabLst/>
+              <a:defRPr/>
+            </a:pPr>
+            <a:endParaRPr lang="en-GB" dirty="0"/>
+          </a:p>
+          <a:p>
+            <a:r>
+              <a:rPr lang="en-GB" dirty="0"/>
+              <a:t>Increase in minimum or average salary to boost the workers’ morale will have a significantly higher productivity.</a:t>
+            </a:r>
+          </a:p>
+          <a:p>
+            <a:endParaRPr lang="en-GB" dirty="0"/>
+          </a:p>
+          <a:p>
+            <a:r>
+              <a:rPr lang="en-GB" dirty="0"/>
+              <a:t>For the 3 levels of Education proportion, only an increase in proportion of upper secondary education results in a significantly higher productivity, the 2 remained levels are deemed to be insignificant.</a:t>
+            </a:r>
+          </a:p>
+        </p:txBody>
+      </p:sp>
+      <p:sp>
+        <p:nvSpPr>
+          <p:cNvPr id="4" name="Slide Number Placeholder 3"/>
+          <p:cNvSpPr>
+            <a:spLocks noGrp="1"/>
+          </p:cNvSpPr>
+          <p:nvPr>
+            <p:ph type="sldNum" sz="quarter" idx="5"/>
+          </p:nvPr>
+        </p:nvSpPr>
+        <p:spPr/>
+        <p:txBody>
+          <a:bodyPr/>
+          <a:lstStyle/>
+          <a:p>
+            <a:fld id="{6FA1FA6D-F318-4210-A104-FE957E7091B7}" type="slidenum">
+              <a:rPr lang="en-GB" smtClean="0"/>
+              <a:t>13</a:t>
+            </a:fld>
+            <a:endParaRPr lang="en-GB"/>
+          </a:p>
+        </p:txBody>
+      </p:sp>
+    </p:spTree>
+    <p:extLst>
+      <p:ext uri="{BB962C8B-B14F-4D97-AF65-F5344CB8AC3E}">
+        <p14:creationId xmlns:p14="http://schemas.microsoft.com/office/powerpoint/2010/main" val="2263617911"/>
+      </p:ext>
+    </p:extLst>
+  </p:cSld>
+  <p:clrMapOvr>
+    <a:masterClrMapping/>
+  </p:clrMapOvr>
+</p:notes>
+</file>
+
+<file path=ppt/notesSlides/notesSlide13.xml><?xml version="1.0" encoding="utf-8"?>
+<p:notes xmlns:a="http://schemas.openxmlformats.org/drawingml/2006/main" xmlns:r="http://schemas.openxmlformats.org/officeDocument/2006/relationships" xmlns:p="http://schemas.openxmlformats.org/presentationml/2006/main">
+  <p:cSld>
+    <p:spTree>
+      <p:nvGrpSpPr>
+        <p:cNvPr id="1" name=""/>
+        <p:cNvGrpSpPr/>
+        <p:nvPr/>
+      </p:nvGrpSpPr>
+      <p:grpSpPr>
+        <a:xfrm>
+          <a:off x="0" y="0"/>
+          <a:ext cx="0" cy="0"/>
+          <a:chOff x="0" y="0"/>
+          <a:chExt cx="0" cy="0"/>
+        </a:xfrm>
+      </p:grpSpPr>
+      <p:sp>
+        <p:nvSpPr>
+          <p:cNvPr id="2" name="Slide Image Placeholder 1"/>
+          <p:cNvSpPr>
+            <a:spLocks noGrp="1" noRot="1" noChangeAspect="1"/>
+          </p:cNvSpPr>
+          <p:nvPr>
+            <p:ph type="sldImg"/>
+          </p:nvPr>
+        </p:nvSpPr>
+        <p:spPr/>
+      </p:sp>
+      <p:sp>
+        <p:nvSpPr>
+          <p:cNvPr id="3" name="Notes Placeholder 2"/>
+          <p:cNvSpPr>
+            <a:spLocks noGrp="1"/>
+          </p:cNvSpPr>
+          <p:nvPr>
+            <p:ph type="body" idx="1"/>
+          </p:nvPr>
+        </p:nvSpPr>
+        <p:spPr/>
+        <p:txBody>
+          <a:bodyPr/>
+          <a:lstStyle/>
+          <a:p>
+            <a:r>
+              <a:rPr lang="en-GB" dirty="0"/>
+              <a:t>After the great recession in 2008,  the productivity growth in the UK has been slowed down resulted in a lower productivity when compared with G7 average.</a:t>
+            </a:r>
+          </a:p>
+          <a:p>
+            <a:r>
+              <a:rPr lang="en-GB" dirty="0"/>
+              <a:t>In the industry productivity analysis.  We have found that Scottish’s engineering industry performed the best among the others, with a strong increase in growth rate.</a:t>
+            </a:r>
+          </a:p>
+          <a:p>
+            <a:r>
+              <a:rPr lang="en-GB" dirty="0"/>
+              <a:t>The Primary product industry is the most lagging behind industry in terms of the growth rate difference, however, evidence showed the positive trend indicates the growth rate is slowly improving throughout the year.</a:t>
+            </a:r>
+          </a:p>
+          <a:p>
+            <a:r>
+              <a:rPr lang="en-GB" dirty="0"/>
+              <a:t>The Scottish Information and Communication Industry is the second lagging behind industry, with a downtrend indicating the growth rate is continuously declining throughout the year.</a:t>
+            </a:r>
+          </a:p>
+          <a:p>
+            <a:endParaRPr lang="en-GB" dirty="0"/>
+          </a:p>
+          <a:p>
+            <a:r>
+              <a:rPr lang="en-GB" dirty="0"/>
+              <a:t>A series of hypothesis tests are conducted with different economics factors.</a:t>
+            </a:r>
+          </a:p>
+          <a:p>
+            <a:r>
+              <a:rPr lang="en-GB" dirty="0"/>
+              <a:t>On average, higher min/</a:t>
+            </a:r>
+            <a:r>
+              <a:rPr lang="en-GB" dirty="0" err="1"/>
+              <a:t>avg</a:t>
+            </a:r>
+            <a:r>
+              <a:rPr lang="en-GB" dirty="0"/>
+              <a:t> salary and higher proportion of secondary education will result in significantly higher productivity.</a:t>
+            </a:r>
+          </a:p>
+          <a:p>
+            <a:r>
+              <a:rPr lang="en-GB" dirty="0"/>
+              <a:t>With higher worked hours and inflation rate will result in a significantly lower productivity.</a:t>
+            </a:r>
+          </a:p>
+        </p:txBody>
+      </p:sp>
+      <p:sp>
+        <p:nvSpPr>
+          <p:cNvPr id="4" name="Slide Number Placeholder 3"/>
+          <p:cNvSpPr>
+            <a:spLocks noGrp="1"/>
+          </p:cNvSpPr>
+          <p:nvPr>
+            <p:ph type="sldNum" sz="quarter" idx="5"/>
+          </p:nvPr>
+        </p:nvSpPr>
+        <p:spPr/>
+        <p:txBody>
+          <a:bodyPr/>
+          <a:lstStyle/>
+          <a:p>
+            <a:fld id="{6FA1FA6D-F318-4210-A104-FE957E7091B7}" type="slidenum">
+              <a:rPr lang="en-GB" smtClean="0"/>
+              <a:t>14</a:t>
+            </a:fld>
+            <a:endParaRPr lang="en-GB"/>
+          </a:p>
+        </p:txBody>
+      </p:sp>
+    </p:spTree>
+    <p:extLst>
+      <p:ext uri="{BB962C8B-B14F-4D97-AF65-F5344CB8AC3E}">
+        <p14:creationId xmlns:p14="http://schemas.microsoft.com/office/powerpoint/2010/main" val="1612364656"/>
+      </p:ext>
+    </p:extLst>
+  </p:cSld>
+  <p:clrMapOvr>
+    <a:masterClrMapping/>
+  </p:clrMapOvr>
+</p:notes>
+</file>
+
+<file path=ppt/notesSlides/notesSlide14.xml><?xml version="1.0" encoding="utf-8"?>
+<p:notes xmlns:a="http://schemas.openxmlformats.org/drawingml/2006/main" xmlns:r="http://schemas.openxmlformats.org/officeDocument/2006/relationships" xmlns:p="http://schemas.openxmlformats.org/presentationml/2006/main">
+  <p:cSld>
+    <p:spTree>
+      <p:nvGrpSpPr>
+        <p:cNvPr id="1" name=""/>
+        <p:cNvGrpSpPr/>
+        <p:nvPr/>
+      </p:nvGrpSpPr>
+      <p:grpSpPr>
+        <a:xfrm>
+          <a:off x="0" y="0"/>
+          <a:ext cx="0" cy="0"/>
+          <a:chOff x="0" y="0"/>
+          <a:chExt cx="0" cy="0"/>
+        </a:xfrm>
+      </p:grpSpPr>
+      <p:sp>
+        <p:nvSpPr>
+          <p:cNvPr id="2" name="Slide Image Placeholder 1"/>
+          <p:cNvSpPr>
+            <a:spLocks noGrp="1" noRot="1" noChangeAspect="1"/>
+          </p:cNvSpPr>
+          <p:nvPr>
+            <p:ph type="sldImg"/>
+          </p:nvPr>
+        </p:nvSpPr>
+        <p:spPr/>
+      </p:sp>
+      <p:sp>
+        <p:nvSpPr>
+          <p:cNvPr id="3" name="Notes Placeholder 2"/>
+          <p:cNvSpPr>
+            <a:spLocks noGrp="1"/>
+          </p:cNvSpPr>
+          <p:nvPr>
+            <p:ph type="body" idx="1"/>
+          </p:nvPr>
+        </p:nvSpPr>
+        <p:spPr/>
+        <p:txBody>
+          <a:bodyPr/>
+          <a:lstStyle/>
+          <a:p>
             <a:endParaRPr lang="en-GB" dirty="0"/>
           </a:p>
           <a:p>
@@ -975,7 +1253,7 @@
 </p:notes>
 </file>
 
-<file path=ppt/notesSlides/notesSlide13.xml><?xml version="1.0" encoding="utf-8"?>
+<file path=ppt/notesSlides/notesSlide15.xml><?xml version="1.0" encoding="utf-8"?>
 <p:notes xmlns:a="http://schemas.openxmlformats.org/drawingml/2006/main" xmlns:r="http://schemas.openxmlformats.org/officeDocument/2006/relationships" xmlns:p="http://schemas.openxmlformats.org/presentationml/2006/main">
   <p:cSld>
     <p:spTree>
@@ -1105,13 +1383,7 @@
           <a:p>
             <a:r>
               <a:rPr lang="en-GB" dirty="0"/>
-              <a:t>Productivity is a economic concept for measuring labour efficiency, given by the output volume per labour input. A high productivity can leads to an increasing profitability of the company/country.</a:t>
-            </a:r>
-          </a:p>
-          <a:p>
-            <a:r>
-              <a:rPr lang="en-GB" dirty="0"/>
-              <a:t>Meaning we can either produce higher output with the same amount of work, or produce the same output with less labour required. </a:t>
+              <a:t>Productivity is an economic concept for measuring labour efficiency, given by the output volume per labour input. A high productivity can leads to an increasing profitability of the company/country. Meaning we can either produce higher output with the same amount of work, or produce the same output with less labour required. </a:t>
             </a:r>
           </a:p>
           <a:p>
@@ -1129,7 +1401,7 @@
           <a:p>
             <a:r>
               <a:rPr lang="en-GB" dirty="0"/>
-              <a:t>The Growth rate is the rate of change in productivity, this productivity minus last year’s productivity</a:t>
+              <a:t>The Growth rate is the rate of change in productivity. It measures the performance of the industry</a:t>
             </a:r>
           </a:p>
         </p:txBody>
@@ -1216,7 +1488,7 @@
           <a:p>
             <a:r>
               <a:rPr lang="en-GB" dirty="0"/>
-              <a:t>Since 2000 the UK’s productivity is always higher than the G7 countries until the great recession in 2008. Since then, the UK’s productivity has been underperformed to a point where UK’s productivity is lower than the G7 average.</a:t>
+              <a:t>Since 2000 the UK’s productivity is always higher than the G7 countries until the great recession in 2008. Since then, the UK’s productivity has been declining to a point where the productivity is lower than the G7 average.</a:t>
             </a:r>
           </a:p>
         </p:txBody>
@@ -1303,13 +1575,16 @@
           <a:p>
             <a:r>
               <a:rPr lang="en-GB" dirty="0"/>
-              <a:t>The underperforming characteristics can be seen in the growth rate graph. After the sharp drop in 2008, we can see the G7’s growth rate has bounced, whereas UK remained leads to an underperformed productivity.</a:t>
-            </a:r>
+              <a:t>This decline characteristics can be seen in the growth rate graph. After the sharp drop in 2008, we can see the G7’s growth rate has rose rapidly to level off the impact left from the recession, whereas UK’s growth rate remained relatively low that led to an underperform period.</a:t>
+            </a:r>
+          </a:p>
+          <a:p>
+            <a:endParaRPr lang="en-GB" dirty="0"/>
           </a:p>
           <a:p>
             <a:r>
               <a:rPr lang="en-GB" dirty="0"/>
-              <a:t>This is the initiative for this project that we need to find ways to improve UK’s competitiveness to the market. </a:t>
+              <a:t>This is the initiative for this project that we need to find ways to boost productivity and increase UK’s competitiveness against the global market. </a:t>
             </a:r>
           </a:p>
         </p:txBody>
@@ -1478,69 +1753,17 @@
           <a:bodyPr/>
           <a:lstStyle/>
           <a:p>
-            <a:pPr marL="0" marR="0" lvl="0" indent="0" algn="l" defTabSz="914400" rtl="0" eaLnBrk="1" fontAlgn="auto" latinLnBrk="0" hangingPunct="1">
-              <a:lnSpc>
-                <a:spcPct val="100000"/>
-              </a:lnSpc>
-              <a:spcBef>
-                <a:spcPts val="0"/>
-              </a:spcBef>
-              <a:spcAft>
-                <a:spcPts val="0"/>
-              </a:spcAft>
-              <a:buClrTx/>
-              <a:buSzTx/>
-              <a:buFontTx/>
-              <a:buNone/>
-              <a:tabLst/>
-              <a:defRPr/>
-            </a:pPr>
             <a:r>
               <a:rPr lang="en-GB" dirty="0"/>
-              <a:t>In this analysis we will be comparing how different industries perform. The industries are grouped by standard industrial classification.</a:t>
-            </a:r>
-          </a:p>
-          <a:p>
-            <a:pPr marL="0" marR="0" lvl="0" indent="0" algn="l" defTabSz="914400" rtl="0" eaLnBrk="1" fontAlgn="auto" latinLnBrk="0" hangingPunct="1">
-              <a:lnSpc>
-                <a:spcPct val="100000"/>
-              </a:lnSpc>
-              <a:spcBef>
-                <a:spcPts val="0"/>
-              </a:spcBef>
-              <a:spcAft>
-                <a:spcPts val="0"/>
-              </a:spcAft>
-              <a:buClrTx/>
-              <a:buSzTx/>
-              <a:buFontTx/>
-              <a:buNone/>
-              <a:tabLst/>
-              <a:defRPr/>
-            </a:pPr>
-            <a:endParaRPr lang="en-GB" dirty="0"/>
-          </a:p>
-          <a:p>
+              <a:t>The first part of </a:t>
+            </a:r>
+            <a:r>
+              <a:rPr lang="en-GB"/>
+              <a:t>this analysiwe </a:t>
+            </a:r>
             <a:r>
               <a:rPr lang="en-GB" dirty="0"/>
-              <a:t>The indicator that I have used is the difference in growth rate to measure the performance per industry. It indicates how fast Scottish industries are growing when compared to the UK in terms of </a:t>
-            </a:r>
-            <a:r>
-              <a:rPr lang="en-GB" dirty="0" err="1"/>
-              <a:t>productivty</a:t>
-            </a:r>
-            <a:r>
-              <a:rPr lang="en-GB" dirty="0"/>
-              <a:t>. If the data point is above 0 it means Scotland is performing better than the UK and vice versa.</a:t>
-            </a:r>
-          </a:p>
-          <a:p>
-            <a:endParaRPr lang="en-GB" dirty="0"/>
-          </a:p>
-          <a:p>
-            <a:r>
-              <a:rPr lang="en-GB" dirty="0"/>
-              <a:t>I then constructed a validated linear regression model to observe the over trend of growth through the years.</a:t>
+              <a:t>will be comparing how different industries perform. </a:t>
             </a:r>
           </a:p>
         </p:txBody>
@@ -1562,7 +1785,7 @@
           <a:p>
             <a:fld id="{6FA1FA6D-F318-4210-A104-FE957E7091B7}" type="slidenum">
               <a:rPr lang="en-GB" smtClean="0"/>
-              <a:t>8</a:t>
+              <a:t>7</a:t>
             </a:fld>
             <a:endParaRPr lang="en-GB"/>
           </a:p>
@@ -1571,7 +1794,7 @@
     </p:spTree>
     <p:extLst>
       <p:ext uri="{BB962C8B-B14F-4D97-AF65-F5344CB8AC3E}">
-        <p14:creationId xmlns:p14="http://schemas.microsoft.com/office/powerpoint/2010/main" val="1637840157"/>
+        <p14:creationId xmlns:p14="http://schemas.microsoft.com/office/powerpoint/2010/main" val="885036710"/>
       </p:ext>
     </p:extLst>
   </p:cSld>
@@ -1644,7 +1867,7 @@
             </a:pPr>
             <a:r>
               <a:rPr lang="en-GB" dirty="0"/>
-              <a:t>In this analysis we will be comparing how different industries perform. The industries are grouped by standard industrial classification.</a:t>
+              <a:t>The industries are grouped by standard industrial classification.</a:t>
             </a:r>
           </a:p>
           <a:p>
@@ -1670,15 +1893,16 @@
           <a:p>
             <a:r>
               <a:rPr lang="en-GB" dirty="0"/>
-              <a:t>The indicator that I have used is the difference in growth rate to measure the performance per industry. It indicates how fast Scottish industries are growing when compared to the UK in terms of </a:t>
-            </a:r>
-            <a:r>
-              <a:rPr lang="en-GB" dirty="0" err="1"/>
-              <a:t>productivty</a:t>
-            </a:r>
+              <a:t>The performance indicator that was is used is the difference in growth rate between Scotland and the UK. </a:t>
+            </a:r>
+          </a:p>
+          <a:p>
+            <a:endParaRPr lang="en-GB" dirty="0"/>
+          </a:p>
+          <a:p>
             <a:r>
               <a:rPr lang="en-GB" dirty="0"/>
-              <a:t>. If the data point is above 0 it means Scotland is performing better than the UK and vice versa.</a:t>
+              <a:t>It indicates Scottish industries performance relative to its UK counterparts. If the data point is above 0 it means Scottish industries perform better than rest of the UK and vice versa.</a:t>
             </a:r>
           </a:p>
           <a:p>
@@ -1687,7 +1911,7 @@
           <a:p>
             <a:r>
               <a:rPr lang="en-GB" dirty="0"/>
-              <a:t>I then constructed a validated linear regression model to observe the over trend of growth through the years.</a:t>
+              <a:t>A validated linear regression model was deployed to observe the over trend of performance through the years.</a:t>
             </a:r>
           </a:p>
         </p:txBody>
@@ -1709,7 +1933,7 @@
           <a:p>
             <a:fld id="{6FA1FA6D-F318-4210-A104-FE957E7091B7}" type="slidenum">
               <a:rPr lang="en-GB" smtClean="0"/>
-              <a:t>9</a:t>
+              <a:t>8</a:t>
             </a:fld>
             <a:endParaRPr lang="en-GB"/>
           </a:p>
@@ -1718,7 +1942,7 @@
     </p:spTree>
     <p:extLst>
       <p:ext uri="{BB962C8B-B14F-4D97-AF65-F5344CB8AC3E}">
-        <p14:creationId xmlns:p14="http://schemas.microsoft.com/office/powerpoint/2010/main" val="2346161373"/>
+        <p14:creationId xmlns:p14="http://schemas.microsoft.com/office/powerpoint/2010/main" val="1637840157"/>
       </p:ext>
     </p:extLst>
   </p:cSld>
@@ -1772,33 +1996,70 @@
           <a:bodyPr/>
           <a:lstStyle/>
           <a:p>
+            <a:pPr marL="0" marR="0" lvl="0" indent="0" algn="l" defTabSz="914400" rtl="0" eaLnBrk="1" fontAlgn="auto" latinLnBrk="0" hangingPunct="1">
+              <a:lnSpc>
+                <a:spcPct val="100000"/>
+              </a:lnSpc>
+              <a:spcBef>
+                <a:spcPts val="0"/>
+              </a:spcBef>
+              <a:spcAft>
+                <a:spcPts val="0"/>
+              </a:spcAft>
+              <a:buClrTx/>
+              <a:buSzTx/>
+              <a:buFontTx/>
+              <a:buNone/>
+              <a:tabLst/>
+              <a:defRPr/>
+            </a:pPr>
             <a:r>
               <a:rPr lang="en-GB" dirty="0"/>
-              <a:t>The best performed Scottish industry is engineering, with the data points laying above the margin with a positive gradient. Meaning the industry is always perform better than the rest of the UK and will be better throughout the years.</a:t>
-            </a:r>
+              <a:t>The industries are grouped by standard industrial classification.</a:t>
+            </a:r>
+          </a:p>
+          <a:p>
+            <a:pPr marL="0" marR="0" lvl="0" indent="0" algn="l" defTabSz="914400" rtl="0" eaLnBrk="1" fontAlgn="auto" latinLnBrk="0" hangingPunct="1">
+              <a:lnSpc>
+                <a:spcPct val="100000"/>
+              </a:lnSpc>
+              <a:spcBef>
+                <a:spcPts val="0"/>
+              </a:spcBef>
+              <a:spcAft>
+                <a:spcPts val="0"/>
+              </a:spcAft>
+              <a:buClrTx/>
+              <a:buSzTx/>
+              <a:buFontTx/>
+              <a:buNone/>
+              <a:tabLst/>
+              <a:defRPr/>
+            </a:pPr>
+            <a:endParaRPr lang="en-GB" dirty="0"/>
           </a:p>
           <a:p>
             <a:r>
               <a:rPr lang="en-GB" dirty="0"/>
-              <a:t>Primary Product Industry in red, has the highest negative margin, meaning the productivity growth is always slower than the rest of the UK, however, the positive gradient indicates the industry is slowing catching up.</a:t>
-            </a:r>
+              <a:t>The performance indicator that was is used is the difference in growth rate between Scotland and the UK. </a:t>
+            </a:r>
+          </a:p>
+          <a:p>
+            <a:endParaRPr lang="en-GB" dirty="0"/>
           </a:p>
           <a:p>
             <a:r>
               <a:rPr lang="en-GB" dirty="0"/>
-              <a:t>Out of all industries, only group J, Information and communication group, has a negative margin whilst having a negative gradient, indicating the industry is declining throughout the year.</a:t>
+              <a:t>It indicates Scottish industries performance relative to its UK counterparts. If the data point is above 0 it means Scottish industries perform better than rest of the UK and vice versa.</a:t>
             </a:r>
           </a:p>
           <a:p>
             <a:endParaRPr lang="en-GB" dirty="0"/>
           </a:p>
           <a:p>
-            <a:endParaRPr lang="en-GB" dirty="0"/>
-          </a:p>
-          <a:p>
             <a:r>
               <a:rPr lang="en-GB" dirty="0"/>
-              <a:t>A similar analysis was carried out comparing UK and G7 countries. However, stat showed that the analysis was insignificant with an irrelevant relationship between the regression and the data point itself. Therefore I won’t be presenting the result in this presentation.</a:t>
+              <a:t>A validated linear regression model was deployed to observe the over trend of performance through the years.</a:t>
             </a:r>
           </a:p>
         </p:txBody>
@@ -1820,7 +2081,7 @@
           <a:p>
             <a:fld id="{6FA1FA6D-F318-4210-A104-FE957E7091B7}" type="slidenum">
               <a:rPr lang="en-GB" smtClean="0"/>
-              <a:t>10</a:t>
+              <a:t>9</a:t>
             </a:fld>
             <a:endParaRPr lang="en-GB"/>
           </a:p>
@@ -1829,7 +2090,7 @@
     </p:spTree>
     <p:extLst>
       <p:ext uri="{BB962C8B-B14F-4D97-AF65-F5344CB8AC3E}">
-        <p14:creationId xmlns:p14="http://schemas.microsoft.com/office/powerpoint/2010/main" val="1194314254"/>
+        <p14:creationId xmlns:p14="http://schemas.microsoft.com/office/powerpoint/2010/main" val="2346161373"/>
       </p:ext>
     </p:extLst>
   </p:cSld>
@@ -1885,7 +2146,7 @@
           <a:p>
             <a:r>
               <a:rPr lang="en-GB" dirty="0"/>
-              <a:t>The second part of the analysis is aimed to find out which economic factors have influence on productivity, through conducting a series of hypothesis tests.</a:t>
+              <a:t>The best performed Scottish industry is engineering in green, with the data points laying above the margin with a positive trend, indicating the industry is always growing faster when compared to the rest of the UK with a strong growth throughout the year.</a:t>
             </a:r>
           </a:p>
           <a:p>
@@ -1894,7 +2155,7 @@
           <a:p>
             <a:r>
               <a:rPr lang="en-GB" dirty="0"/>
-              <a:t>We have adapted 2 samples independent test, 5% confidence level.</a:t>
+              <a:t>Primary Product Industry in red, has the highest negative margin, meaning the productivity growth is always slower than it’s UK counterparts, however, the positive trend indicated the industry is slowly catching up.</a:t>
             </a:r>
           </a:p>
           <a:p>
@@ -1903,76 +2164,16 @@
           <a:p>
             <a:r>
               <a:rPr lang="en-GB" dirty="0"/>
-              <a:t>We will be using Organisation for Economic Cooperation and Development countries (OECD) countries for the tests and UK as a reference index.</a:t>
+              <a:t>The last highlight is Information and communication industry in blue, it has the second highest negative margin with a down trend, indicating the productivity growth rate is always slower when compared than the rest of the UK and performance is continuously declining throughout the year.</a:t>
             </a:r>
           </a:p>
           <a:p>
             <a:endParaRPr lang="en-GB" dirty="0"/>
           </a:p>
           <a:p>
-            <a:pPr marL="0" marR="0" lvl="0" indent="0" algn="l" defTabSz="914400" rtl="0" eaLnBrk="1" fontAlgn="auto" latinLnBrk="0" hangingPunct="1">
-              <a:lnSpc>
-                <a:spcPct val="100000"/>
-              </a:lnSpc>
-              <a:spcBef>
-                <a:spcPts val="0"/>
-              </a:spcBef>
-              <a:spcAft>
-                <a:spcPts val="0"/>
-              </a:spcAft>
-              <a:buClrTx/>
-              <a:buSzTx/>
-              <a:buFontTx/>
-              <a:buNone/>
-              <a:tabLst/>
-              <a:defRPr/>
-            </a:pPr>
             <a:r>
               <a:rPr lang="en-GB" dirty="0"/>
-              <a:t>(i.e. On average, does a country with a higher salary than the UK, have a significant difference in productivity.)</a:t>
-            </a:r>
-          </a:p>
-          <a:p>
-            <a:pPr marL="0" marR="0" lvl="0" indent="0" algn="l" defTabSz="914400" rtl="0" eaLnBrk="1" fontAlgn="auto" latinLnBrk="0" hangingPunct="1">
-              <a:lnSpc>
-                <a:spcPct val="100000"/>
-              </a:lnSpc>
-              <a:spcBef>
-                <a:spcPts val="0"/>
-              </a:spcBef>
-              <a:spcAft>
-                <a:spcPts val="0"/>
-              </a:spcAft>
-              <a:buClrTx/>
-              <a:buSzTx/>
-              <a:buFontTx/>
-              <a:buNone/>
-              <a:tabLst/>
-              <a:defRPr/>
-            </a:pPr>
-            <a:endParaRPr lang="en-GB" dirty="0"/>
-          </a:p>
-          <a:p>
-            <a:pPr marL="0" marR="0" lvl="0" indent="0" algn="l" defTabSz="914400" rtl="0" eaLnBrk="1" fontAlgn="auto" latinLnBrk="0" hangingPunct="1">
-              <a:lnSpc>
-                <a:spcPct val="100000"/>
-              </a:lnSpc>
-              <a:spcBef>
-                <a:spcPts val="0"/>
-              </a:spcBef>
-              <a:spcAft>
-                <a:spcPts val="0"/>
-              </a:spcAft>
-              <a:buClrTx/>
-              <a:buSzTx/>
-              <a:buFontTx/>
-              <a:buNone/>
-              <a:tabLst/>
-              <a:defRPr/>
-            </a:pPr>
-            <a:r>
-              <a:rPr lang="en-GB" dirty="0"/>
-              <a:t>Economic factors included: inflation rate, salary, total annual hours worked, and education proportion per population separated into 3 levels</a:t>
+              <a:t>A similar analysis was carried out comparing UK and G7 countries. However, stat showed that the analysis was insignificant with an irrelevant relationship between the regression and the data point itself. Therefore I won’t be presenting the result in this presentation.</a:t>
             </a:r>
           </a:p>
         </p:txBody>
@@ -1994,7 +2195,7 @@
           <a:p>
             <a:fld id="{6FA1FA6D-F318-4210-A104-FE957E7091B7}" type="slidenum">
               <a:rPr lang="en-GB" smtClean="0"/>
-              <a:t>12</a:t>
+              <a:t>10</a:t>
             </a:fld>
             <a:endParaRPr lang="en-GB"/>
           </a:p>
@@ -2003,7 +2204,7 @@
     </p:spTree>
     <p:extLst>
       <p:ext uri="{BB962C8B-B14F-4D97-AF65-F5344CB8AC3E}">
-        <p14:creationId xmlns:p14="http://schemas.microsoft.com/office/powerpoint/2010/main" val="1031039753"/>
+        <p14:creationId xmlns:p14="http://schemas.microsoft.com/office/powerpoint/2010/main" val="1194314254"/>
       </p:ext>
     </p:extLst>
   </p:cSld>
@@ -2198,7 +2399,7 @@
           <a:p>
             <a:fld id="{E8838C2F-587A-4D8A-9BA0-218B08673B1F}" type="datetimeFigureOut">
               <a:rPr lang="en-GB" smtClean="0"/>
-              <a:t>15/03/2022</a:t>
+              <a:t>16/03/2022</a:t>
             </a:fld>
             <a:endParaRPr lang="en-GB"/>
           </a:p>
@@ -2496,7 +2697,7 @@
           <a:p>
             <a:fld id="{E8838C2F-587A-4D8A-9BA0-218B08673B1F}" type="datetimeFigureOut">
               <a:rPr lang="en-GB" smtClean="0"/>
-              <a:t>15/03/2022</a:t>
+              <a:t>16/03/2022</a:t>
             </a:fld>
             <a:endParaRPr lang="en-GB"/>
           </a:p>
@@ -2688,7 +2889,7 @@
           <a:p>
             <a:fld id="{E8838C2F-587A-4D8A-9BA0-218B08673B1F}" type="datetimeFigureOut">
               <a:rPr lang="en-GB" smtClean="0"/>
-              <a:t>15/03/2022</a:t>
+              <a:t>16/03/2022</a:t>
             </a:fld>
             <a:endParaRPr lang="en-GB"/>
           </a:p>
@@ -2949,7 +3150,7 @@
           <a:p>
             <a:fld id="{E8838C2F-587A-4D8A-9BA0-218B08673B1F}" type="datetimeFigureOut">
               <a:rPr lang="en-GB" smtClean="0"/>
-              <a:t>15/03/2022</a:t>
+              <a:t>16/03/2022</a:t>
             </a:fld>
             <a:endParaRPr lang="en-GB"/>
           </a:p>
@@ -3373,7 +3574,7 @@
           <a:p>
             <a:fld id="{E8838C2F-587A-4D8A-9BA0-218B08673B1F}" type="datetimeFigureOut">
               <a:rPr lang="en-GB" smtClean="0"/>
-              <a:t>15/03/2022</a:t>
+              <a:t>16/03/2022</a:t>
             </a:fld>
             <a:endParaRPr lang="en-GB"/>
           </a:p>
@@ -3910,7 +4111,7 @@
           <a:p>
             <a:fld id="{E8838C2F-587A-4D8A-9BA0-218B08673B1F}" type="datetimeFigureOut">
               <a:rPr lang="en-GB" smtClean="0"/>
-              <a:t>15/03/2022</a:t>
+              <a:t>16/03/2022</a:t>
             </a:fld>
             <a:endParaRPr lang="en-GB"/>
           </a:p>
@@ -4774,7 +4975,7 @@
           <a:p>
             <a:fld id="{E8838C2F-587A-4D8A-9BA0-218B08673B1F}" type="datetimeFigureOut">
               <a:rPr lang="en-GB" smtClean="0"/>
-              <a:t>15/03/2022</a:t>
+              <a:t>16/03/2022</a:t>
             </a:fld>
             <a:endParaRPr lang="en-GB"/>
           </a:p>
@@ -4944,7 +5145,7 @@
           <a:p>
             <a:fld id="{E8838C2F-587A-4D8A-9BA0-218B08673B1F}" type="datetimeFigureOut">
               <a:rPr lang="en-GB" smtClean="0"/>
-              <a:t>15/03/2022</a:t>
+              <a:t>16/03/2022</a:t>
             </a:fld>
             <a:endParaRPr lang="en-GB"/>
           </a:p>
@@ -5128,7 +5329,7 @@
           <a:p>
             <a:fld id="{E8838C2F-587A-4D8A-9BA0-218B08673B1F}" type="datetimeFigureOut">
               <a:rPr lang="en-GB" smtClean="0"/>
-              <a:t>15/03/2022</a:t>
+              <a:t>16/03/2022</a:t>
             </a:fld>
             <a:endParaRPr lang="en-GB"/>
           </a:p>
@@ -5298,7 +5499,7 @@
           <a:p>
             <a:fld id="{E8838C2F-587A-4D8A-9BA0-218B08673B1F}" type="datetimeFigureOut">
               <a:rPr lang="en-GB" smtClean="0"/>
-              <a:t>15/03/2022</a:t>
+              <a:t>16/03/2022</a:t>
             </a:fld>
             <a:endParaRPr lang="en-GB"/>
           </a:p>
@@ -5542,7 +5743,7 @@
           <a:p>
             <a:fld id="{E8838C2F-587A-4D8A-9BA0-218B08673B1F}" type="datetimeFigureOut">
               <a:rPr lang="en-GB" smtClean="0"/>
-              <a:t>15/03/2022</a:t>
+              <a:t>16/03/2022</a:t>
             </a:fld>
             <a:endParaRPr lang="en-GB"/>
           </a:p>
@@ -5778,7 +5979,7 @@
           <a:p>
             <a:fld id="{E8838C2F-587A-4D8A-9BA0-218B08673B1F}" type="datetimeFigureOut">
               <a:rPr lang="en-GB" smtClean="0"/>
-              <a:t>15/03/2022</a:t>
+              <a:t>16/03/2022</a:t>
             </a:fld>
             <a:endParaRPr lang="en-GB"/>
           </a:p>
@@ -6244,7 +6445,7 @@
           <a:p>
             <a:fld id="{E8838C2F-587A-4D8A-9BA0-218B08673B1F}" type="datetimeFigureOut">
               <a:rPr lang="en-GB" smtClean="0"/>
-              <a:t>15/03/2022</a:t>
+              <a:t>16/03/2022</a:t>
             </a:fld>
             <a:endParaRPr lang="en-GB"/>
           </a:p>
@@ -6362,7 +6563,7 @@
           <a:p>
             <a:fld id="{E8838C2F-587A-4D8A-9BA0-218B08673B1F}" type="datetimeFigureOut">
               <a:rPr lang="en-GB" smtClean="0"/>
-              <a:t>15/03/2022</a:t>
+              <a:t>16/03/2022</a:t>
             </a:fld>
             <a:endParaRPr lang="en-GB"/>
           </a:p>
@@ -6457,7 +6658,7 @@
           <a:p>
             <a:fld id="{E8838C2F-587A-4D8A-9BA0-218B08673B1F}" type="datetimeFigureOut">
               <a:rPr lang="en-GB" smtClean="0"/>
-              <a:t>15/03/2022</a:t>
+              <a:t>16/03/2022</a:t>
             </a:fld>
             <a:endParaRPr lang="en-GB"/>
           </a:p>
@@ -6712,7 +6913,7 @@
           <a:p>
             <a:fld id="{E8838C2F-587A-4D8A-9BA0-218B08673B1F}" type="datetimeFigureOut">
               <a:rPr lang="en-GB" smtClean="0"/>
-              <a:t>15/03/2022</a:t>
+              <a:t>16/03/2022</a:t>
             </a:fld>
             <a:endParaRPr lang="en-GB"/>
           </a:p>
@@ -7012,7 +7213,7 @@
           <a:p>
             <a:fld id="{E8838C2F-587A-4D8A-9BA0-218B08673B1F}" type="datetimeFigureOut">
               <a:rPr lang="en-GB" smtClean="0"/>
-              <a:t>15/03/2022</a:t>
+              <a:t>16/03/2022</a:t>
             </a:fld>
             <a:endParaRPr lang="en-GB"/>
           </a:p>
@@ -7246,7 +7447,7 @@
           <a:p>
             <a:fld id="{E8838C2F-587A-4D8A-9BA0-218B08673B1F}" type="datetimeFigureOut">
               <a:rPr lang="en-GB" smtClean="0"/>
-              <a:t>15/03/2022</a:t>
+              <a:t>16/03/2022</a:t>
             </a:fld>
             <a:endParaRPr lang="en-GB"/>
           </a:p>
@@ -8465,7 +8666,7 @@
           <a:p>
             <a:r>
               <a:rPr lang="en-GB" dirty="0"/>
-              <a:t>Productivity Growth Per Industry </a:t>
+              <a:t>Productivity Growth Per Industry Scotland vs. UK</a:t>
             </a:r>
           </a:p>
         </p:txBody>
@@ -8857,7 +9058,7 @@
           <a:p>
             <a:r>
               <a:rPr lang="en-GB" dirty="0"/>
-              <a:t>Productivity Factors</a:t>
+              <a:t>Methodology</a:t>
             </a:r>
           </a:p>
         </p:txBody>
@@ -9348,13 +9549,7 @@
           <a:p>
             <a:r>
               <a:rPr lang="en-GB" dirty="0"/>
-              <a:t>Dataset contains OECD countries</a:t>
-            </a:r>
-          </a:p>
-          <a:p>
-            <a:r>
-              <a:rPr lang="en-GB" dirty="0"/>
-              <a:t>UK Standard as a reference</a:t>
+              <a:t>Test against OECD countries using UK as a reference index</a:t>
             </a:r>
           </a:p>
         </p:txBody>
@@ -9807,7 +10002,7 @@
             </a:pPr>
             <a:r>
               <a:rPr lang="en-US" dirty="0"/>
-              <a:t>How can we improve productivity within Scotland and the UK overall? </a:t>
+              <a:t>How can we improve productivity within Scotland and the UK overall...</a:t>
             </a:r>
           </a:p>
           <a:p>
@@ -9826,9 +10021,17 @@
             </a:r>
           </a:p>
           <a:p>
+            <a:pPr lvl="1"/>
             <a:r>
               <a:rPr lang="en-US" dirty="0"/>
-              <a:t>Scotland’s </a:t>
+              <a:t>Scottish Primary Product Industry </a:t>
+            </a:r>
+          </a:p>
+          <a:p>
+            <a:pPr lvl="1"/>
+            <a:r>
+              <a:rPr lang="en-US" dirty="0"/>
+              <a:t>Scottish </a:t>
             </a:r>
             <a:r>
               <a:rPr lang="en-GB" dirty="0"/>
@@ -9852,6 +10055,7 @@
             </a:r>
           </a:p>
           <a:p>
+            <a:pPr lvl="1"/>
             <a:r>
               <a:rPr lang="en-US" dirty="0"/>
               <a:t>On average, countries with higher Minimum / Average salary and </a:t>
@@ -11274,7 +11478,7 @@
           <a:p>
             <a:r>
               <a:rPr lang="en-GB" dirty="0"/>
-              <a:t>What is productivity</a:t>
+              <a:t>What is Productivity</a:t>
             </a:r>
           </a:p>
         </p:txBody>
@@ -12135,7 +12339,7 @@
           <a:p>
             <a:r>
               <a:rPr lang="en-GB" dirty="0"/>
-              <a:t>Grow Rate between UK and G7 Countries</a:t>
+              <a:t>Grow Rate between UK vs G7</a:t>
             </a:r>
           </a:p>
         </p:txBody>
@@ -12294,7 +12498,7 @@
           <a:p>
             <a:r>
               <a:rPr lang="en-US" dirty="0"/>
-              <a:t>What factors can be improved to increase employee and/or business productivity across UK regions? </a:t>
+              <a:t>What factors can be improved to increase employee productivity across UK regions? </a:t>
             </a:r>
           </a:p>
         </p:txBody>
@@ -12415,7 +12619,7 @@
           <a:p>
             <a:r>
               <a:rPr lang="en-GB" dirty="0"/>
-              <a:t>Productivity Growth Per Industry </a:t>
+              <a:t>Methodology</a:t>
             </a:r>
           </a:p>
         </p:txBody>
@@ -12937,7 +13141,7 @@
           <a:p>
             <a:r>
               <a:rPr lang="en-GB" dirty="0"/>
-              <a:t>Productivity Growth Per Industry </a:t>
+              <a:t>Methodology</a:t>
             </a:r>
           </a:p>
         </p:txBody>
